--- a/textbook/파이썬6-3교시.pptx
+++ b/textbook/파이썬6-3교시.pptx
@@ -317,7 +317,7 @@
           <a:p>
             <a:fld id="{3575F28B-E03B-4F00-AA56-A8AF97DAF43F}" type="datetimeFigureOut">
               <a:rPr lang="ko-KR" altLang="en-US" smtClean="0"/>
-              <a:t>2021-08-20</a:t>
+              <a:t>2021-08-22</a:t>
             </a:fld>
             <a:endParaRPr lang="ko-KR" altLang="en-US"/>
           </a:p>
@@ -649,7 +649,7 @@
           <a:p>
             <a:fld id="{3575F28B-E03B-4F00-AA56-A8AF97DAF43F}" type="datetimeFigureOut">
               <a:rPr lang="ko-KR" altLang="en-US" smtClean="0"/>
-              <a:t>2021-08-20</a:t>
+              <a:t>2021-08-22</a:t>
             </a:fld>
             <a:endParaRPr lang="ko-KR" altLang="en-US"/>
           </a:p>
@@ -1048,7 +1048,7 @@
           <a:p>
             <a:fld id="{3575F28B-E03B-4F00-AA56-A8AF97DAF43F}" type="datetimeFigureOut">
               <a:rPr lang="ko-KR" altLang="en-US" smtClean="0"/>
-              <a:t>2021-08-20</a:t>
+              <a:t>2021-08-22</a:t>
             </a:fld>
             <a:endParaRPr lang="ko-KR" altLang="en-US"/>
           </a:p>
@@ -1382,7 +1382,7 @@
           <a:p>
             <a:fld id="{3575F28B-E03B-4F00-AA56-A8AF97DAF43F}" type="datetimeFigureOut">
               <a:rPr lang="ko-KR" altLang="en-US" smtClean="0"/>
-              <a:t>2021-08-20</a:t>
+              <a:t>2021-08-22</a:t>
             </a:fld>
             <a:endParaRPr lang="ko-KR" altLang="en-US"/>
           </a:p>
@@ -1700,7 +1700,7 @@
           <a:p>
             <a:fld id="{3575F28B-E03B-4F00-AA56-A8AF97DAF43F}" type="datetimeFigureOut">
               <a:rPr lang="ko-KR" altLang="en-US" smtClean="0"/>
-              <a:t>2021-08-20</a:t>
+              <a:t>2021-08-22</a:t>
             </a:fld>
             <a:endParaRPr lang="ko-KR" altLang="en-US"/>
           </a:p>
@@ -2094,7 +2094,7 @@
           <a:p>
             <a:fld id="{3575F28B-E03B-4F00-AA56-A8AF97DAF43F}" type="datetimeFigureOut">
               <a:rPr lang="ko-KR" altLang="en-US" smtClean="0"/>
-              <a:t>2021-08-20</a:t>
+              <a:t>2021-08-22</a:t>
             </a:fld>
             <a:endParaRPr lang="ko-KR" altLang="en-US"/>
           </a:p>
@@ -2349,7 +2349,7 @@
           <a:p>
             <a:fld id="{3575F28B-E03B-4F00-AA56-A8AF97DAF43F}" type="datetimeFigureOut">
               <a:rPr lang="ko-KR" altLang="en-US" smtClean="0"/>
-              <a:t>2021-08-20</a:t>
+              <a:t>2021-08-22</a:t>
             </a:fld>
             <a:endParaRPr lang="ko-KR" altLang="en-US"/>
           </a:p>
@@ -2609,7 +2609,7 @@
           <a:p>
             <a:fld id="{3575F28B-E03B-4F00-AA56-A8AF97DAF43F}" type="datetimeFigureOut">
               <a:rPr lang="ko-KR" altLang="en-US" smtClean="0"/>
-              <a:t>2021-08-20</a:t>
+              <a:t>2021-08-22</a:t>
             </a:fld>
             <a:endParaRPr lang="ko-KR" altLang="en-US"/>
           </a:p>
@@ -2869,7 +2869,7 @@
           <a:p>
             <a:fld id="{3575F28B-E03B-4F00-AA56-A8AF97DAF43F}" type="datetimeFigureOut">
               <a:rPr lang="ko-KR" altLang="en-US" smtClean="0"/>
-              <a:t>2021-08-20</a:t>
+              <a:t>2021-08-22</a:t>
             </a:fld>
             <a:endParaRPr lang="ko-KR" altLang="en-US"/>
           </a:p>
@@ -3196,7 +3196,7 @@
           <a:p>
             <a:fld id="{3575F28B-E03B-4F00-AA56-A8AF97DAF43F}" type="datetimeFigureOut">
               <a:rPr lang="ko-KR" altLang="en-US" smtClean="0"/>
-              <a:t>2021-08-20</a:t>
+              <a:t>2021-08-22</a:t>
             </a:fld>
             <a:endParaRPr lang="ko-KR" altLang="en-US"/>
           </a:p>
@@ -3517,7 +3517,7 @@
           <a:p>
             <a:fld id="{3575F28B-E03B-4F00-AA56-A8AF97DAF43F}" type="datetimeFigureOut">
               <a:rPr lang="ko-KR" altLang="en-US" smtClean="0"/>
-              <a:t>2021-08-20</a:t>
+              <a:t>2021-08-22</a:t>
             </a:fld>
             <a:endParaRPr lang="ko-KR" altLang="en-US"/>
           </a:p>
@@ -3972,7 +3972,7 @@
           <a:p>
             <a:fld id="{3575F28B-E03B-4F00-AA56-A8AF97DAF43F}" type="datetimeFigureOut">
               <a:rPr lang="ko-KR" altLang="en-US" smtClean="0"/>
-              <a:t>2021-08-20</a:t>
+              <a:t>2021-08-22</a:t>
             </a:fld>
             <a:endParaRPr lang="ko-KR" altLang="en-US"/>
           </a:p>
@@ -4180,7 +4180,7 @@
           <a:p>
             <a:fld id="{3575F28B-E03B-4F00-AA56-A8AF97DAF43F}" type="datetimeFigureOut">
               <a:rPr lang="ko-KR" altLang="en-US" smtClean="0"/>
-              <a:t>2021-08-20</a:t>
+              <a:t>2021-08-22</a:t>
             </a:fld>
             <a:endParaRPr lang="ko-KR" altLang="en-US"/>
           </a:p>
@@ -4355,7 +4355,7 @@
           <a:p>
             <a:fld id="{3575F28B-E03B-4F00-AA56-A8AF97DAF43F}" type="datetimeFigureOut">
               <a:rPr lang="ko-KR" altLang="en-US" smtClean="0"/>
-              <a:t>2021-08-20</a:t>
+              <a:t>2021-08-22</a:t>
             </a:fld>
             <a:endParaRPr lang="ko-KR" altLang="en-US"/>
           </a:p>
@@ -4686,7 +4686,7 @@
           <a:p>
             <a:fld id="{3575F28B-E03B-4F00-AA56-A8AF97DAF43F}" type="datetimeFigureOut">
               <a:rPr lang="ko-KR" altLang="en-US" smtClean="0"/>
-              <a:t>2021-08-20</a:t>
+              <a:t>2021-08-22</a:t>
             </a:fld>
             <a:endParaRPr lang="ko-KR" altLang="en-US"/>
           </a:p>
@@ -5029,7 +5029,7 @@
           <a:p>
             <a:fld id="{3575F28B-E03B-4F00-AA56-A8AF97DAF43F}" type="datetimeFigureOut">
               <a:rPr lang="ko-KR" altLang="en-US" smtClean="0"/>
-              <a:t>2021-08-20</a:t>
+              <a:t>2021-08-22</a:t>
             </a:fld>
             <a:endParaRPr lang="ko-KR" altLang="en-US"/>
           </a:p>
@@ -7144,7 +7144,7 @@
           <a:p>
             <a:fld id="{3575F28B-E03B-4F00-AA56-A8AF97DAF43F}" type="datetimeFigureOut">
               <a:rPr lang="ko-KR" altLang="en-US" smtClean="0"/>
-              <a:t>2021-08-20</a:t>
+              <a:t>2021-08-22</a:t>
             </a:fld>
             <a:endParaRPr lang="ko-KR" altLang="en-US"/>
           </a:p>
@@ -11967,7 +11967,1290 @@
           <a:bodyPr/>
           <a:lstStyle/>
           <a:p>
-            <a:endParaRPr lang="ko-KR" altLang="en-US"/>
+            <a:r>
+              <a:rPr lang="ko-KR" altLang="en-US" dirty="0"/>
+              <a:t>화면에 오른쪽과 왼쪽 의 경계선을 정하고 캐릭터와 배경의 </a:t>
+            </a:r>
+            <a:r>
+              <a:rPr lang="ko-KR" altLang="en-US" dirty="0" err="1"/>
+              <a:t>움직이이</a:t>
+            </a:r>
+            <a:r>
+              <a:rPr lang="ko-KR" altLang="en-US" dirty="0"/>
+              <a:t> 다르게 움직이도록 한다</a:t>
+            </a:r>
+            <a:r>
+              <a:rPr lang="en-US" altLang="ko-KR" dirty="0"/>
+              <a:t>.</a:t>
+            </a:r>
+            <a:endParaRPr lang="ko-KR" altLang="en-US" dirty="0"/>
+          </a:p>
+        </p:txBody>
+      </p:sp>
+      <p:sp>
+        <p:nvSpPr>
+          <p:cNvPr id="4" name="Rectangle 1">
+            <a:extLst>
+              <a:ext uri="{FF2B5EF4-FFF2-40B4-BE49-F238E27FC236}">
+                <a16:creationId xmlns:a16="http://schemas.microsoft.com/office/drawing/2014/main" id="{B22BB845-D7E0-4813-93F4-52DAA03E1718}"/>
+              </a:ext>
+            </a:extLst>
+          </p:cNvPr>
+          <p:cNvSpPr>
+            <a:spLocks noChangeArrowheads="1"/>
+          </p:cNvSpPr>
+          <p:nvPr/>
+        </p:nvSpPr>
+        <p:spPr bwMode="auto">
+          <a:xfrm>
+            <a:off x="2051720" y="2996952"/>
+            <a:ext cx="6012160" cy="2492990"/>
+          </a:xfrm>
+          <a:prstGeom prst="rect">
+            <a:avLst/>
+          </a:prstGeom>
+          <a:solidFill>
+            <a:srgbClr val="2B2B2B"/>
+          </a:solidFill>
+          <a:ln>
+            <a:noFill/>
+          </a:ln>
+          <a:effectLst/>
+          <a:extLst>
+            <a:ext uri="{91240B29-F687-4F45-9708-019B960494DF}">
+              <a14:hiddenLine xmlns:a14="http://schemas.microsoft.com/office/drawing/2010/main" w="9525">
+                <a:solidFill>
+                  <a:schemeClr val="tx1"/>
+                </a:solidFill>
+                <a:miter lim="800000"/>
+                <a:headEnd/>
+                <a:tailEnd/>
+              </a14:hiddenLine>
+            </a:ext>
+            <a:ext uri="{AF507438-7753-43E0-B8FC-AC1667EBCBE1}">
+              <a14:hiddenEffects xmlns:a14="http://schemas.microsoft.com/office/drawing/2010/main">
+                <a:effectLst>
+                  <a:outerShdw dist="35921" dir="2700000" algn="ctr" rotWithShape="0">
+                    <a:schemeClr val="bg2"/>
+                  </a:outerShdw>
+                </a:effectLst>
+              </a14:hiddenEffects>
+            </a:ext>
+          </a:extLst>
+        </p:spPr>
+        <p:txBody>
+          <a:bodyPr vert="horz" wrap="square" lIns="91440" tIns="45720" rIns="91440" bIns="45720" numCol="1" anchor="ctr" anchorCtr="0" compatLnSpc="1">
+            <a:prstTxWarp prst="textNoShape">
+              <a:avLst/>
+            </a:prstTxWarp>
+            <a:spAutoFit/>
+          </a:bodyPr>
+          <a:lstStyle/>
+          <a:p>
+            <a:pPr marL="0" marR="0" lvl="0" indent="0" algn="l" defTabSz="914400" rtl="0" eaLnBrk="0" fontAlgn="base" latinLnBrk="0" hangingPunct="0">
+              <a:lnSpc>
+                <a:spcPct val="100000"/>
+              </a:lnSpc>
+              <a:spcBef>
+                <a:spcPct val="0"/>
+              </a:spcBef>
+              <a:spcAft>
+                <a:spcPct val="0"/>
+              </a:spcAft>
+              <a:buClrTx/>
+              <a:buSzTx/>
+              <a:buFontTx/>
+              <a:buNone/>
+              <a:tabLst/>
+            </a:pPr>
+            <a:r>
+              <a:rPr kumimoji="0" lang="ko-KR" altLang="ko-KR" sz="1200" b="0" i="0" u="none" strike="noStrike" cap="none" normalizeH="0" baseline="0" dirty="0" err="1">
+                <a:ln>
+                  <a:noFill/>
+                </a:ln>
+                <a:solidFill>
+                  <a:srgbClr val="CC7832"/>
+                </a:solidFill>
+                <a:effectLst/>
+                <a:latin typeface="Courier New" panose="02070309020205020404" pitchFamily="49" charset="0"/>
+                <a:cs typeface="Courier New" panose="02070309020205020404" pitchFamily="49" charset="0"/>
+              </a:rPr>
+              <a:t>def</a:t>
+            </a:r>
+            <a:r>
+              <a:rPr kumimoji="0" lang="ko-KR" altLang="ko-KR" sz="1200" b="0" i="0" u="none" strike="noStrike" cap="none" normalizeH="0" baseline="0" dirty="0">
+                <a:ln>
+                  <a:noFill/>
+                </a:ln>
+                <a:solidFill>
+                  <a:srgbClr val="CC7832"/>
+                </a:solidFill>
+                <a:effectLst/>
+                <a:latin typeface="Courier New" panose="02070309020205020404" pitchFamily="49" charset="0"/>
+                <a:cs typeface="Courier New" panose="02070309020205020404" pitchFamily="49" charset="0"/>
+              </a:rPr>
+              <a:t> </a:t>
+            </a:r>
+            <a:r>
+              <a:rPr kumimoji="0" lang="ko-KR" altLang="ko-KR" sz="1200" b="0" i="0" u="none" strike="noStrike" cap="none" normalizeH="0" baseline="0" dirty="0" err="1">
+                <a:ln>
+                  <a:noFill/>
+                </a:ln>
+                <a:solidFill>
+                  <a:srgbClr val="FFC66D"/>
+                </a:solidFill>
+                <a:effectLst/>
+                <a:latin typeface="Courier New" panose="02070309020205020404" pitchFamily="49" charset="0"/>
+                <a:cs typeface="Courier New" panose="02070309020205020404" pitchFamily="49" charset="0"/>
+              </a:rPr>
+              <a:t>update</a:t>
+            </a:r>
+            <a:r>
+              <a:rPr kumimoji="0" lang="ko-KR" altLang="ko-KR" sz="1200" b="0" i="0" u="none" strike="noStrike" cap="none" normalizeH="0" baseline="0" dirty="0">
+                <a:ln>
+                  <a:noFill/>
+                </a:ln>
+                <a:solidFill>
+                  <a:srgbClr val="A9B7C6"/>
+                </a:solidFill>
+                <a:effectLst/>
+                <a:latin typeface="Courier New" panose="02070309020205020404" pitchFamily="49" charset="0"/>
+                <a:cs typeface="Courier New" panose="02070309020205020404" pitchFamily="49" charset="0"/>
+              </a:rPr>
+              <a:t>(</a:t>
+            </a:r>
+            <a:r>
+              <a:rPr kumimoji="0" lang="ko-KR" altLang="ko-KR" sz="1200" b="0" i="0" u="none" strike="noStrike" cap="none" normalizeH="0" baseline="0" dirty="0" err="1">
+                <a:ln>
+                  <a:noFill/>
+                </a:ln>
+                <a:solidFill>
+                  <a:srgbClr val="94558D"/>
+                </a:solidFill>
+                <a:effectLst/>
+                <a:latin typeface="Courier New" panose="02070309020205020404" pitchFamily="49" charset="0"/>
+                <a:cs typeface="Courier New" panose="02070309020205020404" pitchFamily="49" charset="0"/>
+              </a:rPr>
+              <a:t>self</a:t>
+            </a:r>
+            <a:r>
+              <a:rPr kumimoji="0" lang="ko-KR" altLang="ko-KR" sz="1200" b="0" i="0" u="none" strike="noStrike" cap="none" normalizeH="0" baseline="0" dirty="0">
+                <a:ln>
+                  <a:noFill/>
+                </a:ln>
+                <a:solidFill>
+                  <a:srgbClr val="A9B7C6"/>
+                </a:solidFill>
+                <a:effectLst/>
+                <a:latin typeface="Courier New" panose="02070309020205020404" pitchFamily="49" charset="0"/>
+                <a:cs typeface="Courier New" panose="02070309020205020404" pitchFamily="49" charset="0"/>
+              </a:rPr>
+              <a:t>):</a:t>
+            </a:r>
+            <a:br>
+              <a:rPr kumimoji="0" lang="ko-KR" altLang="ko-KR" sz="1200" b="0" i="0" u="none" strike="noStrike" cap="none" normalizeH="0" baseline="0" dirty="0">
+                <a:ln>
+                  <a:noFill/>
+                </a:ln>
+                <a:solidFill>
+                  <a:srgbClr val="A9B7C6"/>
+                </a:solidFill>
+                <a:effectLst/>
+                <a:latin typeface="Courier New" panose="02070309020205020404" pitchFamily="49" charset="0"/>
+                <a:cs typeface="Courier New" panose="02070309020205020404" pitchFamily="49" charset="0"/>
+              </a:rPr>
+            </a:br>
+            <a:r>
+              <a:rPr kumimoji="0" lang="ko-KR" altLang="ko-KR" sz="1200" b="0" i="0" u="none" strike="noStrike" cap="none" normalizeH="0" baseline="0" dirty="0">
+                <a:ln>
+                  <a:noFill/>
+                </a:ln>
+                <a:solidFill>
+                  <a:srgbClr val="A9B7C6"/>
+                </a:solidFill>
+                <a:effectLst/>
+                <a:latin typeface="Courier New" panose="02070309020205020404" pitchFamily="49" charset="0"/>
+                <a:cs typeface="Courier New" panose="02070309020205020404" pitchFamily="49" charset="0"/>
+              </a:rPr>
+              <a:t>    </a:t>
+            </a:r>
+            <a:r>
+              <a:rPr kumimoji="0" lang="ko-KR" altLang="ko-KR" sz="1200" b="0" i="0" u="none" strike="noStrike" cap="none" normalizeH="0" baseline="0" dirty="0" err="1">
+                <a:ln>
+                  <a:noFill/>
+                </a:ln>
+                <a:solidFill>
+                  <a:srgbClr val="CC7832"/>
+                </a:solidFill>
+                <a:effectLst/>
+                <a:latin typeface="Courier New" panose="02070309020205020404" pitchFamily="49" charset="0"/>
+                <a:cs typeface="Courier New" panose="02070309020205020404" pitchFamily="49" charset="0"/>
+              </a:rPr>
+              <a:t>if</a:t>
+            </a:r>
+            <a:r>
+              <a:rPr kumimoji="0" lang="ko-KR" altLang="ko-KR" sz="1200" b="0" i="0" u="none" strike="noStrike" cap="none" normalizeH="0" baseline="0" dirty="0">
+                <a:ln>
+                  <a:noFill/>
+                </a:ln>
+                <a:solidFill>
+                  <a:srgbClr val="CC7832"/>
+                </a:solidFill>
+                <a:effectLst/>
+                <a:latin typeface="Courier New" panose="02070309020205020404" pitchFamily="49" charset="0"/>
+                <a:cs typeface="Courier New" panose="02070309020205020404" pitchFamily="49" charset="0"/>
+              </a:rPr>
+              <a:t> </a:t>
+            </a:r>
+            <a:r>
+              <a:rPr kumimoji="0" lang="ko-KR" altLang="ko-KR" sz="1200" b="0" i="0" u="none" strike="noStrike" cap="none" normalizeH="0" baseline="0" dirty="0">
+                <a:ln>
+                  <a:noFill/>
+                </a:ln>
+                <a:solidFill>
+                  <a:srgbClr val="A9B7C6"/>
+                </a:solidFill>
+                <a:effectLst/>
+                <a:latin typeface="Courier New" panose="02070309020205020404" pitchFamily="49" charset="0"/>
+                <a:cs typeface="Courier New" panose="02070309020205020404" pitchFamily="49" charset="0"/>
+              </a:rPr>
+              <a:t>SCREEN_X/</a:t>
+            </a:r>
+            <a:r>
+              <a:rPr kumimoji="0" lang="ko-KR" altLang="ko-KR" sz="1200" b="0" i="0" u="none" strike="noStrike" cap="none" normalizeH="0" baseline="0" dirty="0">
+                <a:ln>
+                  <a:noFill/>
+                </a:ln>
+                <a:solidFill>
+                  <a:srgbClr val="6897BB"/>
+                </a:solidFill>
+                <a:effectLst/>
+                <a:latin typeface="Courier New" panose="02070309020205020404" pitchFamily="49" charset="0"/>
+                <a:cs typeface="Courier New" panose="02070309020205020404" pitchFamily="49" charset="0"/>
+              </a:rPr>
+              <a:t>8 </a:t>
+            </a:r>
+            <a:r>
+              <a:rPr kumimoji="0" lang="ko-KR" altLang="ko-KR" sz="1200" b="0" i="0" u="none" strike="noStrike" cap="none" normalizeH="0" baseline="0" dirty="0">
+                <a:ln>
+                  <a:noFill/>
+                </a:ln>
+                <a:solidFill>
+                  <a:srgbClr val="A9B7C6"/>
+                </a:solidFill>
+                <a:effectLst/>
+                <a:latin typeface="Courier New" panose="02070309020205020404" pitchFamily="49" charset="0"/>
+                <a:cs typeface="Courier New" panose="02070309020205020404" pitchFamily="49" charset="0"/>
+              </a:rPr>
+              <a:t>&gt; </a:t>
+            </a:r>
+            <a:r>
+              <a:rPr kumimoji="0" lang="ko-KR" altLang="ko-KR" sz="1200" b="0" i="0" u="none" strike="noStrike" cap="none" normalizeH="0" baseline="0" dirty="0" err="1">
+                <a:ln>
+                  <a:noFill/>
+                </a:ln>
+                <a:solidFill>
+                  <a:srgbClr val="94558D"/>
+                </a:solidFill>
+                <a:effectLst/>
+                <a:latin typeface="Courier New" panose="02070309020205020404" pitchFamily="49" charset="0"/>
+                <a:cs typeface="Courier New" panose="02070309020205020404" pitchFamily="49" charset="0"/>
+              </a:rPr>
+              <a:t>self</a:t>
+            </a:r>
+            <a:r>
+              <a:rPr kumimoji="0" lang="ko-KR" altLang="ko-KR" sz="1200" b="0" i="0" u="none" strike="noStrike" cap="none" normalizeH="0" baseline="0" dirty="0" err="1">
+                <a:ln>
+                  <a:noFill/>
+                </a:ln>
+                <a:solidFill>
+                  <a:srgbClr val="A9B7C6"/>
+                </a:solidFill>
+                <a:effectLst/>
+                <a:latin typeface="Courier New" panose="02070309020205020404" pitchFamily="49" charset="0"/>
+                <a:cs typeface="Courier New" panose="02070309020205020404" pitchFamily="49" charset="0"/>
+              </a:rPr>
+              <a:t>.sa.pos.x</a:t>
+            </a:r>
+            <a:r>
+              <a:rPr kumimoji="0" lang="ko-KR" altLang="ko-KR" sz="1200" b="0" i="0" u="none" strike="noStrike" cap="none" normalizeH="0" baseline="0" dirty="0">
+                <a:ln>
+                  <a:noFill/>
+                </a:ln>
+                <a:solidFill>
+                  <a:srgbClr val="A9B7C6"/>
+                </a:solidFill>
+                <a:effectLst/>
+                <a:latin typeface="Courier New" panose="02070309020205020404" pitchFamily="49" charset="0"/>
+                <a:cs typeface="Courier New" panose="02070309020205020404" pitchFamily="49" charset="0"/>
+              </a:rPr>
+              <a:t>:</a:t>
+            </a:r>
+            <a:br>
+              <a:rPr kumimoji="0" lang="ko-KR" altLang="ko-KR" sz="1200" b="0" i="0" u="none" strike="noStrike" cap="none" normalizeH="0" baseline="0" dirty="0">
+                <a:ln>
+                  <a:noFill/>
+                </a:ln>
+                <a:solidFill>
+                  <a:srgbClr val="A9B7C6"/>
+                </a:solidFill>
+                <a:effectLst/>
+                <a:latin typeface="Courier New" panose="02070309020205020404" pitchFamily="49" charset="0"/>
+                <a:cs typeface="Courier New" panose="02070309020205020404" pitchFamily="49" charset="0"/>
+              </a:rPr>
+            </a:br>
+            <a:r>
+              <a:rPr kumimoji="0" lang="ko-KR" altLang="ko-KR" sz="1200" b="0" i="0" u="none" strike="noStrike" cap="none" normalizeH="0" baseline="0" dirty="0">
+                <a:ln>
+                  <a:noFill/>
+                </a:ln>
+                <a:solidFill>
+                  <a:srgbClr val="A9B7C6"/>
+                </a:solidFill>
+                <a:effectLst/>
+                <a:latin typeface="Courier New" panose="02070309020205020404" pitchFamily="49" charset="0"/>
+                <a:cs typeface="Courier New" panose="02070309020205020404" pitchFamily="49" charset="0"/>
+              </a:rPr>
+              <a:t>        </a:t>
+            </a:r>
+            <a:r>
+              <a:rPr kumimoji="0" lang="ko-KR" altLang="ko-KR" sz="1200" b="0" i="0" u="none" strike="noStrike" cap="none" normalizeH="0" baseline="0" dirty="0" err="1">
+                <a:ln>
+                  <a:noFill/>
+                </a:ln>
+                <a:solidFill>
+                  <a:srgbClr val="A9B7C6"/>
+                </a:solidFill>
+                <a:effectLst/>
+                <a:latin typeface="Courier New" panose="02070309020205020404" pitchFamily="49" charset="0"/>
+                <a:cs typeface="Courier New" panose="02070309020205020404" pitchFamily="49" charset="0"/>
+              </a:rPr>
+              <a:t>offset_x</a:t>
+            </a:r>
+            <a:r>
+              <a:rPr kumimoji="0" lang="ko-KR" altLang="ko-KR" sz="1200" b="0" i="0" u="none" strike="noStrike" cap="none" normalizeH="0" baseline="0" dirty="0">
+                <a:ln>
+                  <a:noFill/>
+                </a:ln>
+                <a:solidFill>
+                  <a:srgbClr val="A9B7C6"/>
+                </a:solidFill>
+                <a:effectLst/>
+                <a:latin typeface="Courier New" panose="02070309020205020404" pitchFamily="49" charset="0"/>
+                <a:cs typeface="Courier New" panose="02070309020205020404" pitchFamily="49" charset="0"/>
+              </a:rPr>
+              <a:t> = -</a:t>
+            </a:r>
+            <a:r>
+              <a:rPr kumimoji="0" lang="ko-KR" altLang="ko-KR" sz="1200" b="0" i="0" u="none" strike="noStrike" cap="none" normalizeH="0" baseline="0" dirty="0">
+                <a:ln>
+                  <a:noFill/>
+                </a:ln>
+                <a:solidFill>
+                  <a:srgbClr val="6897BB"/>
+                </a:solidFill>
+                <a:effectLst/>
+                <a:latin typeface="Courier New" panose="02070309020205020404" pitchFamily="49" charset="0"/>
+                <a:cs typeface="Courier New" panose="02070309020205020404" pitchFamily="49" charset="0"/>
+              </a:rPr>
+              <a:t>10</a:t>
+            </a:r>
+            <a:br>
+              <a:rPr kumimoji="0" lang="ko-KR" altLang="ko-KR" sz="1200" b="0" i="0" u="none" strike="noStrike" cap="none" normalizeH="0" baseline="0" dirty="0">
+                <a:ln>
+                  <a:noFill/>
+                </a:ln>
+                <a:solidFill>
+                  <a:srgbClr val="6897BB"/>
+                </a:solidFill>
+                <a:effectLst/>
+                <a:latin typeface="Courier New" panose="02070309020205020404" pitchFamily="49" charset="0"/>
+                <a:cs typeface="Courier New" panose="02070309020205020404" pitchFamily="49" charset="0"/>
+              </a:rPr>
+            </a:br>
+            <a:r>
+              <a:rPr kumimoji="0" lang="ko-KR" altLang="ko-KR" sz="1200" b="0" i="0" u="none" strike="noStrike" cap="none" normalizeH="0" baseline="0" dirty="0">
+                <a:ln>
+                  <a:noFill/>
+                </a:ln>
+                <a:solidFill>
+                  <a:srgbClr val="6897BB"/>
+                </a:solidFill>
+                <a:effectLst/>
+                <a:latin typeface="Courier New" panose="02070309020205020404" pitchFamily="49" charset="0"/>
+                <a:cs typeface="Courier New" panose="02070309020205020404" pitchFamily="49" charset="0"/>
+              </a:rPr>
+              <a:t>        </a:t>
+            </a:r>
+            <a:r>
+              <a:rPr kumimoji="0" lang="ko-KR" altLang="ko-KR" sz="1200" b="0" i="0" u="none" strike="noStrike" cap="none" normalizeH="0" baseline="0" dirty="0" err="1">
+                <a:ln>
+                  <a:noFill/>
+                </a:ln>
+                <a:solidFill>
+                  <a:srgbClr val="94558D"/>
+                </a:solidFill>
+                <a:effectLst/>
+                <a:latin typeface="Courier New" panose="02070309020205020404" pitchFamily="49" charset="0"/>
+                <a:cs typeface="Courier New" panose="02070309020205020404" pitchFamily="49" charset="0"/>
+              </a:rPr>
+              <a:t>self</a:t>
+            </a:r>
+            <a:r>
+              <a:rPr kumimoji="0" lang="ko-KR" altLang="ko-KR" sz="1200" b="0" i="0" u="none" strike="noStrike" cap="none" normalizeH="0" baseline="0" dirty="0" err="1">
+                <a:ln>
+                  <a:noFill/>
+                </a:ln>
+                <a:solidFill>
+                  <a:srgbClr val="A9B7C6"/>
+                </a:solidFill>
+                <a:effectLst/>
+                <a:latin typeface="Courier New" panose="02070309020205020404" pitchFamily="49" charset="0"/>
+                <a:cs typeface="Courier New" panose="02070309020205020404" pitchFamily="49" charset="0"/>
+              </a:rPr>
+              <a:t>.sa.pos.x</a:t>
+            </a:r>
+            <a:r>
+              <a:rPr kumimoji="0" lang="ko-KR" altLang="ko-KR" sz="1200" b="0" i="0" u="none" strike="noStrike" cap="none" normalizeH="0" baseline="0" dirty="0">
+                <a:ln>
+                  <a:noFill/>
+                </a:ln>
+                <a:solidFill>
+                  <a:srgbClr val="A9B7C6"/>
+                </a:solidFill>
+                <a:effectLst/>
+                <a:latin typeface="Courier New" panose="02070309020205020404" pitchFamily="49" charset="0"/>
+                <a:cs typeface="Courier New" panose="02070309020205020404" pitchFamily="49" charset="0"/>
+              </a:rPr>
+              <a:t> += </a:t>
+            </a:r>
+            <a:r>
+              <a:rPr kumimoji="0" lang="ko-KR" altLang="ko-KR" sz="1200" b="0" i="0" u="none" strike="noStrike" cap="none" normalizeH="0" baseline="0" dirty="0">
+                <a:ln>
+                  <a:noFill/>
+                </a:ln>
+                <a:solidFill>
+                  <a:srgbClr val="6897BB"/>
+                </a:solidFill>
+                <a:effectLst/>
+                <a:latin typeface="Courier New" panose="02070309020205020404" pitchFamily="49" charset="0"/>
+                <a:cs typeface="Courier New" panose="02070309020205020404" pitchFamily="49" charset="0"/>
+              </a:rPr>
+              <a:t>10</a:t>
+            </a:r>
+            <a:br>
+              <a:rPr kumimoji="0" lang="ko-KR" altLang="ko-KR" sz="1200" b="0" i="0" u="none" strike="noStrike" cap="none" normalizeH="0" baseline="0" dirty="0">
+                <a:ln>
+                  <a:noFill/>
+                </a:ln>
+                <a:solidFill>
+                  <a:srgbClr val="6897BB"/>
+                </a:solidFill>
+                <a:effectLst/>
+                <a:latin typeface="Courier New" panose="02070309020205020404" pitchFamily="49" charset="0"/>
+                <a:cs typeface="Courier New" panose="02070309020205020404" pitchFamily="49" charset="0"/>
+              </a:rPr>
+            </a:br>
+            <a:r>
+              <a:rPr kumimoji="0" lang="ko-KR" altLang="ko-KR" sz="1200" b="0" i="0" u="none" strike="noStrike" cap="none" normalizeH="0" baseline="0" dirty="0">
+                <a:ln>
+                  <a:noFill/>
+                </a:ln>
+                <a:solidFill>
+                  <a:srgbClr val="6897BB"/>
+                </a:solidFill>
+                <a:effectLst/>
+                <a:latin typeface="Courier New" panose="02070309020205020404" pitchFamily="49" charset="0"/>
+                <a:cs typeface="Courier New" panose="02070309020205020404" pitchFamily="49" charset="0"/>
+              </a:rPr>
+              <a:t>    </a:t>
+            </a:r>
+            <a:r>
+              <a:rPr kumimoji="0" lang="ko-KR" altLang="ko-KR" sz="1200" b="0" i="0" u="none" strike="noStrike" cap="none" normalizeH="0" baseline="0" dirty="0" err="1">
+                <a:ln>
+                  <a:noFill/>
+                </a:ln>
+                <a:solidFill>
+                  <a:srgbClr val="CC7832"/>
+                </a:solidFill>
+                <a:effectLst/>
+                <a:latin typeface="Courier New" panose="02070309020205020404" pitchFamily="49" charset="0"/>
+                <a:cs typeface="Courier New" panose="02070309020205020404" pitchFamily="49" charset="0"/>
+              </a:rPr>
+              <a:t>elif</a:t>
+            </a:r>
+            <a:r>
+              <a:rPr kumimoji="0" lang="ko-KR" altLang="ko-KR" sz="1200" b="0" i="0" u="none" strike="noStrike" cap="none" normalizeH="0" baseline="0" dirty="0">
+                <a:ln>
+                  <a:noFill/>
+                </a:ln>
+                <a:solidFill>
+                  <a:srgbClr val="CC7832"/>
+                </a:solidFill>
+                <a:effectLst/>
+                <a:latin typeface="Courier New" panose="02070309020205020404" pitchFamily="49" charset="0"/>
+                <a:cs typeface="Courier New" panose="02070309020205020404" pitchFamily="49" charset="0"/>
+              </a:rPr>
+              <a:t> </a:t>
+            </a:r>
+            <a:r>
+              <a:rPr kumimoji="0" lang="ko-KR" altLang="ko-KR" sz="1200" b="0" i="0" u="none" strike="noStrike" cap="none" normalizeH="0" baseline="0" dirty="0">
+                <a:ln>
+                  <a:noFill/>
+                </a:ln>
+                <a:solidFill>
+                  <a:srgbClr val="A9B7C6"/>
+                </a:solidFill>
+                <a:effectLst/>
+                <a:latin typeface="Courier New" panose="02070309020205020404" pitchFamily="49" charset="0"/>
+                <a:cs typeface="Courier New" panose="02070309020205020404" pitchFamily="49" charset="0"/>
+              </a:rPr>
+              <a:t>SCREEN_X*</a:t>
+            </a:r>
+            <a:r>
+              <a:rPr kumimoji="0" lang="ko-KR" altLang="ko-KR" sz="1200" b="0" i="0" u="none" strike="noStrike" cap="none" normalizeH="0" baseline="0" dirty="0">
+                <a:ln>
+                  <a:noFill/>
+                </a:ln>
+                <a:solidFill>
+                  <a:srgbClr val="6897BB"/>
+                </a:solidFill>
+                <a:effectLst/>
+                <a:latin typeface="Courier New" panose="02070309020205020404" pitchFamily="49" charset="0"/>
+                <a:cs typeface="Courier New" panose="02070309020205020404" pitchFamily="49" charset="0"/>
+              </a:rPr>
+              <a:t>7</a:t>
+            </a:r>
+            <a:r>
+              <a:rPr kumimoji="0" lang="ko-KR" altLang="ko-KR" sz="1200" b="0" i="0" u="none" strike="noStrike" cap="none" normalizeH="0" baseline="0" dirty="0">
+                <a:ln>
+                  <a:noFill/>
+                </a:ln>
+                <a:solidFill>
+                  <a:srgbClr val="A9B7C6"/>
+                </a:solidFill>
+                <a:effectLst/>
+                <a:latin typeface="Courier New" panose="02070309020205020404" pitchFamily="49" charset="0"/>
+                <a:cs typeface="Courier New" panose="02070309020205020404" pitchFamily="49" charset="0"/>
+              </a:rPr>
+              <a:t>/</a:t>
+            </a:r>
+            <a:r>
+              <a:rPr kumimoji="0" lang="ko-KR" altLang="ko-KR" sz="1200" b="0" i="0" u="none" strike="noStrike" cap="none" normalizeH="0" baseline="0" dirty="0">
+                <a:ln>
+                  <a:noFill/>
+                </a:ln>
+                <a:solidFill>
+                  <a:srgbClr val="6897BB"/>
+                </a:solidFill>
+                <a:effectLst/>
+                <a:latin typeface="Courier New" panose="02070309020205020404" pitchFamily="49" charset="0"/>
+                <a:cs typeface="Courier New" panose="02070309020205020404" pitchFamily="49" charset="0"/>
+              </a:rPr>
+              <a:t>8 </a:t>
+            </a:r>
+            <a:r>
+              <a:rPr kumimoji="0" lang="ko-KR" altLang="ko-KR" sz="1200" b="0" i="0" u="none" strike="noStrike" cap="none" normalizeH="0" baseline="0" dirty="0">
+                <a:ln>
+                  <a:noFill/>
+                </a:ln>
+                <a:solidFill>
+                  <a:srgbClr val="A9B7C6"/>
+                </a:solidFill>
+                <a:effectLst/>
+                <a:latin typeface="Courier New" panose="02070309020205020404" pitchFamily="49" charset="0"/>
+                <a:cs typeface="Courier New" panose="02070309020205020404" pitchFamily="49" charset="0"/>
+              </a:rPr>
+              <a:t>&lt; </a:t>
+            </a:r>
+            <a:r>
+              <a:rPr kumimoji="0" lang="ko-KR" altLang="ko-KR" sz="1200" b="0" i="0" u="none" strike="noStrike" cap="none" normalizeH="0" baseline="0" dirty="0" err="1">
+                <a:ln>
+                  <a:noFill/>
+                </a:ln>
+                <a:solidFill>
+                  <a:srgbClr val="94558D"/>
+                </a:solidFill>
+                <a:effectLst/>
+                <a:latin typeface="Courier New" panose="02070309020205020404" pitchFamily="49" charset="0"/>
+                <a:cs typeface="Courier New" panose="02070309020205020404" pitchFamily="49" charset="0"/>
+              </a:rPr>
+              <a:t>self</a:t>
+            </a:r>
+            <a:r>
+              <a:rPr kumimoji="0" lang="ko-KR" altLang="ko-KR" sz="1200" b="0" i="0" u="none" strike="noStrike" cap="none" normalizeH="0" baseline="0" dirty="0" err="1">
+                <a:ln>
+                  <a:noFill/>
+                </a:ln>
+                <a:solidFill>
+                  <a:srgbClr val="A9B7C6"/>
+                </a:solidFill>
+                <a:effectLst/>
+                <a:latin typeface="Courier New" panose="02070309020205020404" pitchFamily="49" charset="0"/>
+                <a:cs typeface="Courier New" panose="02070309020205020404" pitchFamily="49" charset="0"/>
+              </a:rPr>
+              <a:t>.sa.pos.x</a:t>
+            </a:r>
+            <a:r>
+              <a:rPr kumimoji="0" lang="ko-KR" altLang="ko-KR" sz="1200" b="0" i="0" u="none" strike="noStrike" cap="none" normalizeH="0" baseline="0" dirty="0">
+                <a:ln>
+                  <a:noFill/>
+                </a:ln>
+                <a:solidFill>
+                  <a:srgbClr val="A9B7C6"/>
+                </a:solidFill>
+                <a:effectLst/>
+                <a:latin typeface="Courier New" panose="02070309020205020404" pitchFamily="49" charset="0"/>
+                <a:cs typeface="Courier New" panose="02070309020205020404" pitchFamily="49" charset="0"/>
+              </a:rPr>
+              <a:t>:</a:t>
+            </a:r>
+            <a:br>
+              <a:rPr kumimoji="0" lang="ko-KR" altLang="ko-KR" sz="1200" b="0" i="0" u="none" strike="noStrike" cap="none" normalizeH="0" baseline="0" dirty="0">
+                <a:ln>
+                  <a:noFill/>
+                </a:ln>
+                <a:solidFill>
+                  <a:srgbClr val="A9B7C6"/>
+                </a:solidFill>
+                <a:effectLst/>
+                <a:latin typeface="Courier New" panose="02070309020205020404" pitchFamily="49" charset="0"/>
+                <a:cs typeface="Courier New" panose="02070309020205020404" pitchFamily="49" charset="0"/>
+              </a:rPr>
+            </a:br>
+            <a:r>
+              <a:rPr kumimoji="0" lang="ko-KR" altLang="ko-KR" sz="1200" b="0" i="0" u="none" strike="noStrike" cap="none" normalizeH="0" baseline="0" dirty="0">
+                <a:ln>
+                  <a:noFill/>
+                </a:ln>
+                <a:solidFill>
+                  <a:srgbClr val="A9B7C6"/>
+                </a:solidFill>
+                <a:effectLst/>
+                <a:latin typeface="Courier New" panose="02070309020205020404" pitchFamily="49" charset="0"/>
+                <a:cs typeface="Courier New" panose="02070309020205020404" pitchFamily="49" charset="0"/>
+              </a:rPr>
+              <a:t>        </a:t>
+            </a:r>
+            <a:r>
+              <a:rPr kumimoji="0" lang="ko-KR" altLang="ko-KR" sz="1200" b="0" i="0" u="none" strike="noStrike" cap="none" normalizeH="0" baseline="0" dirty="0" err="1">
+                <a:ln>
+                  <a:noFill/>
+                </a:ln>
+                <a:solidFill>
+                  <a:srgbClr val="A9B7C6"/>
+                </a:solidFill>
+                <a:effectLst/>
+                <a:latin typeface="Courier New" panose="02070309020205020404" pitchFamily="49" charset="0"/>
+                <a:cs typeface="Courier New" panose="02070309020205020404" pitchFamily="49" charset="0"/>
+              </a:rPr>
+              <a:t>offset_x</a:t>
+            </a:r>
+            <a:r>
+              <a:rPr kumimoji="0" lang="ko-KR" altLang="ko-KR" sz="1200" b="0" i="0" u="none" strike="noStrike" cap="none" normalizeH="0" baseline="0" dirty="0">
+                <a:ln>
+                  <a:noFill/>
+                </a:ln>
+                <a:solidFill>
+                  <a:srgbClr val="A9B7C6"/>
+                </a:solidFill>
+                <a:effectLst/>
+                <a:latin typeface="Courier New" panose="02070309020205020404" pitchFamily="49" charset="0"/>
+                <a:cs typeface="Courier New" panose="02070309020205020404" pitchFamily="49" charset="0"/>
+              </a:rPr>
+              <a:t> = </a:t>
+            </a:r>
+            <a:r>
+              <a:rPr kumimoji="0" lang="ko-KR" altLang="ko-KR" sz="1200" b="0" i="0" u="none" strike="noStrike" cap="none" normalizeH="0" baseline="0" dirty="0">
+                <a:ln>
+                  <a:noFill/>
+                </a:ln>
+                <a:solidFill>
+                  <a:srgbClr val="6897BB"/>
+                </a:solidFill>
+                <a:effectLst/>
+                <a:latin typeface="Courier New" panose="02070309020205020404" pitchFamily="49" charset="0"/>
+                <a:cs typeface="Courier New" panose="02070309020205020404" pitchFamily="49" charset="0"/>
+              </a:rPr>
+              <a:t>10</a:t>
+            </a:r>
+            <a:br>
+              <a:rPr kumimoji="0" lang="ko-KR" altLang="ko-KR" sz="1200" b="0" i="0" u="none" strike="noStrike" cap="none" normalizeH="0" baseline="0" dirty="0">
+                <a:ln>
+                  <a:noFill/>
+                </a:ln>
+                <a:solidFill>
+                  <a:srgbClr val="6897BB"/>
+                </a:solidFill>
+                <a:effectLst/>
+                <a:latin typeface="Courier New" panose="02070309020205020404" pitchFamily="49" charset="0"/>
+                <a:cs typeface="Courier New" panose="02070309020205020404" pitchFamily="49" charset="0"/>
+              </a:rPr>
+            </a:br>
+            <a:r>
+              <a:rPr kumimoji="0" lang="ko-KR" altLang="ko-KR" sz="1200" b="0" i="0" u="none" strike="noStrike" cap="none" normalizeH="0" baseline="0" dirty="0">
+                <a:ln>
+                  <a:noFill/>
+                </a:ln>
+                <a:solidFill>
+                  <a:srgbClr val="6897BB"/>
+                </a:solidFill>
+                <a:effectLst/>
+                <a:latin typeface="Courier New" panose="02070309020205020404" pitchFamily="49" charset="0"/>
+                <a:cs typeface="Courier New" panose="02070309020205020404" pitchFamily="49" charset="0"/>
+              </a:rPr>
+              <a:t>        </a:t>
+            </a:r>
+            <a:r>
+              <a:rPr kumimoji="0" lang="ko-KR" altLang="ko-KR" sz="1200" b="0" i="0" u="none" strike="noStrike" cap="none" normalizeH="0" baseline="0" dirty="0" err="1">
+                <a:ln>
+                  <a:noFill/>
+                </a:ln>
+                <a:solidFill>
+                  <a:srgbClr val="94558D"/>
+                </a:solidFill>
+                <a:effectLst/>
+                <a:latin typeface="Courier New" panose="02070309020205020404" pitchFamily="49" charset="0"/>
+                <a:cs typeface="Courier New" panose="02070309020205020404" pitchFamily="49" charset="0"/>
+              </a:rPr>
+              <a:t>self</a:t>
+            </a:r>
+            <a:r>
+              <a:rPr kumimoji="0" lang="ko-KR" altLang="ko-KR" sz="1200" b="0" i="0" u="none" strike="noStrike" cap="none" normalizeH="0" baseline="0" dirty="0" err="1">
+                <a:ln>
+                  <a:noFill/>
+                </a:ln>
+                <a:solidFill>
+                  <a:srgbClr val="A9B7C6"/>
+                </a:solidFill>
+                <a:effectLst/>
+                <a:latin typeface="Courier New" panose="02070309020205020404" pitchFamily="49" charset="0"/>
+                <a:cs typeface="Courier New" panose="02070309020205020404" pitchFamily="49" charset="0"/>
+              </a:rPr>
+              <a:t>.sa.pos.x</a:t>
+            </a:r>
+            <a:r>
+              <a:rPr kumimoji="0" lang="ko-KR" altLang="ko-KR" sz="1200" b="0" i="0" u="none" strike="noStrike" cap="none" normalizeH="0" baseline="0" dirty="0">
+                <a:ln>
+                  <a:noFill/>
+                </a:ln>
+                <a:solidFill>
+                  <a:srgbClr val="A9B7C6"/>
+                </a:solidFill>
+                <a:effectLst/>
+                <a:latin typeface="Courier New" panose="02070309020205020404" pitchFamily="49" charset="0"/>
+                <a:cs typeface="Courier New" panose="02070309020205020404" pitchFamily="49" charset="0"/>
+              </a:rPr>
+              <a:t> -= </a:t>
+            </a:r>
+            <a:r>
+              <a:rPr kumimoji="0" lang="ko-KR" altLang="ko-KR" sz="1200" b="0" i="0" u="none" strike="noStrike" cap="none" normalizeH="0" baseline="0" dirty="0">
+                <a:ln>
+                  <a:noFill/>
+                </a:ln>
+                <a:solidFill>
+                  <a:srgbClr val="6897BB"/>
+                </a:solidFill>
+                <a:effectLst/>
+                <a:latin typeface="Courier New" panose="02070309020205020404" pitchFamily="49" charset="0"/>
+                <a:cs typeface="Courier New" panose="02070309020205020404" pitchFamily="49" charset="0"/>
+              </a:rPr>
+              <a:t>10</a:t>
+            </a:r>
+            <a:br>
+              <a:rPr kumimoji="0" lang="ko-KR" altLang="ko-KR" sz="1200" b="0" i="0" u="none" strike="noStrike" cap="none" normalizeH="0" baseline="0" dirty="0">
+                <a:ln>
+                  <a:noFill/>
+                </a:ln>
+                <a:solidFill>
+                  <a:srgbClr val="6897BB"/>
+                </a:solidFill>
+                <a:effectLst/>
+                <a:latin typeface="Courier New" panose="02070309020205020404" pitchFamily="49" charset="0"/>
+                <a:cs typeface="Courier New" panose="02070309020205020404" pitchFamily="49" charset="0"/>
+              </a:rPr>
+            </a:br>
+            <a:r>
+              <a:rPr kumimoji="0" lang="ko-KR" altLang="ko-KR" sz="1200" b="0" i="0" u="none" strike="noStrike" cap="none" normalizeH="0" baseline="0" dirty="0">
+                <a:ln>
+                  <a:noFill/>
+                </a:ln>
+                <a:solidFill>
+                  <a:srgbClr val="6897BB"/>
+                </a:solidFill>
+                <a:effectLst/>
+                <a:latin typeface="Courier New" panose="02070309020205020404" pitchFamily="49" charset="0"/>
+                <a:cs typeface="Courier New" panose="02070309020205020404" pitchFamily="49" charset="0"/>
+              </a:rPr>
+              <a:t>    </a:t>
+            </a:r>
+            <a:r>
+              <a:rPr kumimoji="0" lang="ko-KR" altLang="ko-KR" sz="1200" b="0" i="0" u="none" strike="noStrike" cap="none" normalizeH="0" baseline="0" dirty="0" err="1">
+                <a:ln>
+                  <a:noFill/>
+                </a:ln>
+                <a:solidFill>
+                  <a:srgbClr val="CC7832"/>
+                </a:solidFill>
+                <a:effectLst/>
+                <a:latin typeface="Courier New" panose="02070309020205020404" pitchFamily="49" charset="0"/>
+                <a:cs typeface="Courier New" panose="02070309020205020404" pitchFamily="49" charset="0"/>
+              </a:rPr>
+              <a:t>else</a:t>
+            </a:r>
+            <a:r>
+              <a:rPr kumimoji="0" lang="ko-KR" altLang="ko-KR" sz="1200" b="0" i="0" u="none" strike="noStrike" cap="none" normalizeH="0" baseline="0" dirty="0">
+                <a:ln>
+                  <a:noFill/>
+                </a:ln>
+                <a:solidFill>
+                  <a:srgbClr val="A9B7C6"/>
+                </a:solidFill>
+                <a:effectLst/>
+                <a:latin typeface="Courier New" panose="02070309020205020404" pitchFamily="49" charset="0"/>
+                <a:cs typeface="Courier New" panose="02070309020205020404" pitchFamily="49" charset="0"/>
+              </a:rPr>
+              <a:t>:</a:t>
+            </a:r>
+            <a:br>
+              <a:rPr kumimoji="0" lang="ko-KR" altLang="ko-KR" sz="1200" b="0" i="0" u="none" strike="noStrike" cap="none" normalizeH="0" baseline="0" dirty="0">
+                <a:ln>
+                  <a:noFill/>
+                </a:ln>
+                <a:solidFill>
+                  <a:srgbClr val="A9B7C6"/>
+                </a:solidFill>
+                <a:effectLst/>
+                <a:latin typeface="Courier New" panose="02070309020205020404" pitchFamily="49" charset="0"/>
+                <a:cs typeface="Courier New" panose="02070309020205020404" pitchFamily="49" charset="0"/>
+              </a:rPr>
+            </a:br>
+            <a:r>
+              <a:rPr kumimoji="0" lang="ko-KR" altLang="ko-KR" sz="1200" b="0" i="0" u="none" strike="noStrike" cap="none" normalizeH="0" baseline="0" dirty="0">
+                <a:ln>
+                  <a:noFill/>
+                </a:ln>
+                <a:solidFill>
+                  <a:srgbClr val="A9B7C6"/>
+                </a:solidFill>
+                <a:effectLst/>
+                <a:latin typeface="Courier New" panose="02070309020205020404" pitchFamily="49" charset="0"/>
+                <a:cs typeface="Courier New" panose="02070309020205020404" pitchFamily="49" charset="0"/>
+              </a:rPr>
+              <a:t>        </a:t>
+            </a:r>
+            <a:r>
+              <a:rPr kumimoji="0" lang="ko-KR" altLang="ko-KR" sz="1200" b="0" i="0" u="none" strike="noStrike" cap="none" normalizeH="0" baseline="0" dirty="0" err="1">
+                <a:ln>
+                  <a:noFill/>
+                </a:ln>
+                <a:solidFill>
+                  <a:srgbClr val="A9B7C6"/>
+                </a:solidFill>
+                <a:effectLst/>
+                <a:latin typeface="Courier New" panose="02070309020205020404" pitchFamily="49" charset="0"/>
+                <a:cs typeface="Courier New" panose="02070309020205020404" pitchFamily="49" charset="0"/>
+              </a:rPr>
+              <a:t>offset_x</a:t>
+            </a:r>
+            <a:r>
+              <a:rPr kumimoji="0" lang="ko-KR" altLang="ko-KR" sz="1200" b="0" i="0" u="none" strike="noStrike" cap="none" normalizeH="0" baseline="0" dirty="0">
+                <a:ln>
+                  <a:noFill/>
+                </a:ln>
+                <a:solidFill>
+                  <a:srgbClr val="A9B7C6"/>
+                </a:solidFill>
+                <a:effectLst/>
+                <a:latin typeface="Courier New" panose="02070309020205020404" pitchFamily="49" charset="0"/>
+                <a:cs typeface="Courier New" panose="02070309020205020404" pitchFamily="49" charset="0"/>
+              </a:rPr>
+              <a:t> =</a:t>
+            </a:r>
+            <a:r>
+              <a:rPr kumimoji="0" lang="ko-KR" altLang="ko-KR" sz="1200" b="0" i="0" u="none" strike="noStrike" cap="none" normalizeH="0" baseline="0" dirty="0">
+                <a:ln>
+                  <a:noFill/>
+                </a:ln>
+                <a:solidFill>
+                  <a:srgbClr val="6897BB"/>
+                </a:solidFill>
+                <a:effectLst/>
+                <a:latin typeface="Courier New" panose="02070309020205020404" pitchFamily="49" charset="0"/>
+                <a:cs typeface="Courier New" panose="02070309020205020404" pitchFamily="49" charset="0"/>
+              </a:rPr>
+              <a:t>0</a:t>
+            </a:r>
+            <a:br>
+              <a:rPr kumimoji="0" lang="ko-KR" altLang="ko-KR" sz="1200" b="0" i="0" u="none" strike="noStrike" cap="none" normalizeH="0" baseline="0" dirty="0">
+                <a:ln>
+                  <a:noFill/>
+                </a:ln>
+                <a:solidFill>
+                  <a:srgbClr val="6897BB"/>
+                </a:solidFill>
+                <a:effectLst/>
+                <a:latin typeface="Courier New" panose="02070309020205020404" pitchFamily="49" charset="0"/>
+                <a:cs typeface="Courier New" panose="02070309020205020404" pitchFamily="49" charset="0"/>
+              </a:rPr>
+            </a:br>
+            <a:r>
+              <a:rPr kumimoji="0" lang="ko-KR" altLang="ko-KR" sz="1200" b="0" i="0" u="none" strike="noStrike" cap="none" normalizeH="0" baseline="0" dirty="0">
+                <a:ln>
+                  <a:noFill/>
+                </a:ln>
+                <a:solidFill>
+                  <a:srgbClr val="6897BB"/>
+                </a:solidFill>
+                <a:effectLst/>
+                <a:latin typeface="Courier New" panose="02070309020205020404" pitchFamily="49" charset="0"/>
+                <a:cs typeface="Courier New" panose="02070309020205020404" pitchFamily="49" charset="0"/>
+              </a:rPr>
+              <a:t>    </a:t>
+            </a:r>
+            <a:r>
+              <a:rPr kumimoji="0" lang="ko-KR" altLang="ko-KR" sz="1200" b="0" i="0" u="none" strike="noStrike" cap="none" normalizeH="0" baseline="0" dirty="0" err="1">
+                <a:ln>
+                  <a:noFill/>
+                </a:ln>
+                <a:solidFill>
+                  <a:srgbClr val="CC7832"/>
+                </a:solidFill>
+                <a:effectLst/>
+                <a:latin typeface="Courier New" panose="02070309020205020404" pitchFamily="49" charset="0"/>
+                <a:cs typeface="Courier New" panose="02070309020205020404" pitchFamily="49" charset="0"/>
+              </a:rPr>
+              <a:t>for</a:t>
+            </a:r>
+            <a:r>
+              <a:rPr kumimoji="0" lang="ko-KR" altLang="ko-KR" sz="1200" b="0" i="0" u="none" strike="noStrike" cap="none" normalizeH="0" baseline="0" dirty="0">
+                <a:ln>
+                  <a:noFill/>
+                </a:ln>
+                <a:solidFill>
+                  <a:srgbClr val="CC7832"/>
+                </a:solidFill>
+                <a:effectLst/>
+                <a:latin typeface="Courier New" panose="02070309020205020404" pitchFamily="49" charset="0"/>
+                <a:cs typeface="Courier New" panose="02070309020205020404" pitchFamily="49" charset="0"/>
+              </a:rPr>
+              <a:t> </a:t>
+            </a:r>
+            <a:r>
+              <a:rPr kumimoji="0" lang="ko-KR" altLang="ko-KR" sz="1200" b="0" i="0" u="none" strike="noStrike" cap="none" normalizeH="0" baseline="0" dirty="0" err="1">
+                <a:ln>
+                  <a:noFill/>
+                </a:ln>
+                <a:solidFill>
+                  <a:srgbClr val="A9B7C6"/>
+                </a:solidFill>
+                <a:effectLst/>
+                <a:latin typeface="Courier New" panose="02070309020205020404" pitchFamily="49" charset="0"/>
+                <a:cs typeface="Courier New" panose="02070309020205020404" pitchFamily="49" charset="0"/>
+              </a:rPr>
+              <a:t>sprite</a:t>
+            </a:r>
+            <a:r>
+              <a:rPr kumimoji="0" lang="ko-KR" altLang="ko-KR" sz="1200" b="0" i="0" u="none" strike="noStrike" cap="none" normalizeH="0" baseline="0" dirty="0">
+                <a:ln>
+                  <a:noFill/>
+                </a:ln>
+                <a:solidFill>
+                  <a:srgbClr val="A9B7C6"/>
+                </a:solidFill>
+                <a:effectLst/>
+                <a:latin typeface="Courier New" panose="02070309020205020404" pitchFamily="49" charset="0"/>
+                <a:cs typeface="Courier New" panose="02070309020205020404" pitchFamily="49" charset="0"/>
+              </a:rPr>
+              <a:t> </a:t>
+            </a:r>
+            <a:r>
+              <a:rPr kumimoji="0" lang="ko-KR" altLang="ko-KR" sz="1200" b="0" i="0" u="none" strike="noStrike" cap="none" normalizeH="0" baseline="0" dirty="0" err="1">
+                <a:ln>
+                  <a:noFill/>
+                </a:ln>
+                <a:solidFill>
+                  <a:srgbClr val="CC7832"/>
+                </a:solidFill>
+                <a:effectLst/>
+                <a:latin typeface="Courier New" panose="02070309020205020404" pitchFamily="49" charset="0"/>
+                <a:cs typeface="Courier New" panose="02070309020205020404" pitchFamily="49" charset="0"/>
+              </a:rPr>
+              <a:t>in</a:t>
+            </a:r>
+            <a:r>
+              <a:rPr kumimoji="0" lang="ko-KR" altLang="ko-KR" sz="1200" b="0" i="0" u="none" strike="noStrike" cap="none" normalizeH="0" baseline="0" dirty="0">
+                <a:ln>
+                  <a:noFill/>
+                </a:ln>
+                <a:solidFill>
+                  <a:srgbClr val="CC7832"/>
+                </a:solidFill>
+                <a:effectLst/>
+                <a:latin typeface="Courier New" panose="02070309020205020404" pitchFamily="49" charset="0"/>
+                <a:cs typeface="Courier New" panose="02070309020205020404" pitchFamily="49" charset="0"/>
+              </a:rPr>
+              <a:t> </a:t>
+            </a:r>
+            <a:r>
+              <a:rPr kumimoji="0" lang="ko-KR" altLang="ko-KR" sz="1200" b="0" i="0" u="none" strike="noStrike" cap="none" normalizeH="0" baseline="0" dirty="0" err="1">
+                <a:ln>
+                  <a:noFill/>
+                </a:ln>
+                <a:solidFill>
+                  <a:srgbClr val="94558D"/>
+                </a:solidFill>
+                <a:effectLst/>
+                <a:latin typeface="Courier New" panose="02070309020205020404" pitchFamily="49" charset="0"/>
+                <a:cs typeface="Courier New" panose="02070309020205020404" pitchFamily="49" charset="0"/>
+              </a:rPr>
+              <a:t>self</a:t>
+            </a:r>
+            <a:r>
+              <a:rPr kumimoji="0" lang="ko-KR" altLang="ko-KR" sz="1200" b="0" i="0" u="none" strike="noStrike" cap="none" normalizeH="0" baseline="0" dirty="0" err="1">
+                <a:ln>
+                  <a:noFill/>
+                </a:ln>
+                <a:solidFill>
+                  <a:srgbClr val="A9B7C6"/>
+                </a:solidFill>
+                <a:effectLst/>
+                <a:latin typeface="Courier New" panose="02070309020205020404" pitchFamily="49" charset="0"/>
+                <a:cs typeface="Courier New" panose="02070309020205020404" pitchFamily="49" charset="0"/>
+              </a:rPr>
+              <a:t>.all_sprites</a:t>
+            </a:r>
+            <a:r>
+              <a:rPr kumimoji="0" lang="ko-KR" altLang="ko-KR" sz="1200" b="0" i="0" u="none" strike="noStrike" cap="none" normalizeH="0" baseline="0" dirty="0">
+                <a:ln>
+                  <a:noFill/>
+                </a:ln>
+                <a:solidFill>
+                  <a:srgbClr val="A9B7C6"/>
+                </a:solidFill>
+                <a:effectLst/>
+                <a:latin typeface="Courier New" panose="02070309020205020404" pitchFamily="49" charset="0"/>
+                <a:cs typeface="Courier New" panose="02070309020205020404" pitchFamily="49" charset="0"/>
+              </a:rPr>
+              <a:t>:</a:t>
+            </a:r>
+            <a:br>
+              <a:rPr kumimoji="0" lang="ko-KR" altLang="ko-KR" sz="1200" b="0" i="0" u="none" strike="noStrike" cap="none" normalizeH="0" baseline="0" dirty="0">
+                <a:ln>
+                  <a:noFill/>
+                </a:ln>
+                <a:solidFill>
+                  <a:srgbClr val="A9B7C6"/>
+                </a:solidFill>
+                <a:effectLst/>
+                <a:latin typeface="Courier New" panose="02070309020205020404" pitchFamily="49" charset="0"/>
+                <a:cs typeface="Courier New" panose="02070309020205020404" pitchFamily="49" charset="0"/>
+              </a:rPr>
+            </a:br>
+            <a:r>
+              <a:rPr kumimoji="0" lang="ko-KR" altLang="ko-KR" sz="1200" b="0" i="0" u="none" strike="noStrike" cap="none" normalizeH="0" baseline="0" dirty="0">
+                <a:ln>
+                  <a:noFill/>
+                </a:ln>
+                <a:solidFill>
+                  <a:srgbClr val="A9B7C6"/>
+                </a:solidFill>
+                <a:effectLst/>
+                <a:latin typeface="Courier New" panose="02070309020205020404" pitchFamily="49" charset="0"/>
+                <a:cs typeface="Courier New" panose="02070309020205020404" pitchFamily="49" charset="0"/>
+              </a:rPr>
+              <a:t>        </a:t>
+            </a:r>
+            <a:r>
+              <a:rPr kumimoji="0" lang="ko-KR" altLang="ko-KR" sz="1200" b="0" i="0" u="none" strike="noStrike" cap="none" normalizeH="0" baseline="0" dirty="0" err="1">
+                <a:ln>
+                  <a:noFill/>
+                </a:ln>
+                <a:solidFill>
+                  <a:srgbClr val="A9B7C6"/>
+                </a:solidFill>
+                <a:effectLst/>
+                <a:latin typeface="Courier New" panose="02070309020205020404" pitchFamily="49" charset="0"/>
+                <a:cs typeface="Courier New" panose="02070309020205020404" pitchFamily="49" charset="0"/>
+              </a:rPr>
+              <a:t>sprite.rect.x</a:t>
+            </a:r>
+            <a:r>
+              <a:rPr kumimoji="0" lang="ko-KR" altLang="ko-KR" sz="1200" b="0" i="0" u="none" strike="noStrike" cap="none" normalizeH="0" baseline="0" dirty="0">
+                <a:ln>
+                  <a:noFill/>
+                </a:ln>
+                <a:solidFill>
+                  <a:srgbClr val="A9B7C6"/>
+                </a:solidFill>
+                <a:effectLst/>
+                <a:latin typeface="Courier New" panose="02070309020205020404" pitchFamily="49" charset="0"/>
+                <a:cs typeface="Courier New" panose="02070309020205020404" pitchFamily="49" charset="0"/>
+              </a:rPr>
+              <a:t> -= </a:t>
+            </a:r>
+            <a:r>
+              <a:rPr kumimoji="0" lang="ko-KR" altLang="ko-KR" sz="1200" b="0" i="0" u="none" strike="noStrike" cap="none" normalizeH="0" baseline="0" dirty="0" err="1">
+                <a:ln>
+                  <a:noFill/>
+                </a:ln>
+                <a:solidFill>
+                  <a:srgbClr val="A9B7C6"/>
+                </a:solidFill>
+                <a:effectLst/>
+                <a:latin typeface="Courier New" panose="02070309020205020404" pitchFamily="49" charset="0"/>
+                <a:cs typeface="Courier New" panose="02070309020205020404" pitchFamily="49" charset="0"/>
+              </a:rPr>
+              <a:t>offset_x</a:t>
+            </a:r>
+            <a:br>
+              <a:rPr kumimoji="0" lang="ko-KR" altLang="ko-KR" sz="1200" b="0" i="0" u="none" strike="noStrike" cap="none" normalizeH="0" baseline="0" dirty="0">
+                <a:ln>
+                  <a:noFill/>
+                </a:ln>
+                <a:solidFill>
+                  <a:srgbClr val="A9B7C6"/>
+                </a:solidFill>
+                <a:effectLst/>
+                <a:latin typeface="Courier New" panose="02070309020205020404" pitchFamily="49" charset="0"/>
+                <a:cs typeface="Courier New" panose="02070309020205020404" pitchFamily="49" charset="0"/>
+              </a:rPr>
+            </a:br>
+            <a:r>
+              <a:rPr kumimoji="0" lang="ko-KR" altLang="ko-KR" sz="1200" b="0" i="0" u="none" strike="noStrike" cap="none" normalizeH="0" baseline="0" dirty="0">
+                <a:ln>
+                  <a:noFill/>
+                </a:ln>
+                <a:solidFill>
+                  <a:srgbClr val="A9B7C6"/>
+                </a:solidFill>
+                <a:effectLst/>
+                <a:latin typeface="Courier New" panose="02070309020205020404" pitchFamily="49" charset="0"/>
+                <a:cs typeface="Courier New" panose="02070309020205020404" pitchFamily="49" charset="0"/>
+              </a:rPr>
+              <a:t>    </a:t>
+            </a:r>
+            <a:r>
+              <a:rPr kumimoji="0" lang="ko-KR" altLang="ko-KR" sz="1200" b="0" i="0" u="none" strike="noStrike" cap="none" normalizeH="0" baseline="0" dirty="0" err="1">
+                <a:ln>
+                  <a:noFill/>
+                </a:ln>
+                <a:solidFill>
+                  <a:srgbClr val="94558D"/>
+                </a:solidFill>
+                <a:effectLst/>
+                <a:latin typeface="Courier New" panose="02070309020205020404" pitchFamily="49" charset="0"/>
+                <a:cs typeface="Courier New" panose="02070309020205020404" pitchFamily="49" charset="0"/>
+              </a:rPr>
+              <a:t>self</a:t>
+            </a:r>
+            <a:r>
+              <a:rPr kumimoji="0" lang="ko-KR" altLang="ko-KR" sz="1200" b="0" i="0" u="none" strike="noStrike" cap="none" normalizeH="0" baseline="0" dirty="0" err="1">
+                <a:ln>
+                  <a:noFill/>
+                </a:ln>
+                <a:solidFill>
+                  <a:srgbClr val="A9B7C6"/>
+                </a:solidFill>
+                <a:effectLst/>
+                <a:latin typeface="Courier New" panose="02070309020205020404" pitchFamily="49" charset="0"/>
+                <a:cs typeface="Courier New" panose="02070309020205020404" pitchFamily="49" charset="0"/>
+              </a:rPr>
+              <a:t>.all_sprites.update</a:t>
+            </a:r>
+            <a:r>
+              <a:rPr kumimoji="0" lang="ko-KR" altLang="ko-KR" sz="1200" b="0" i="0" u="none" strike="noStrike" cap="none" normalizeH="0" baseline="0" dirty="0">
+                <a:ln>
+                  <a:noFill/>
+                </a:ln>
+                <a:solidFill>
+                  <a:srgbClr val="A9B7C6"/>
+                </a:solidFill>
+                <a:effectLst/>
+                <a:latin typeface="Courier New" panose="02070309020205020404" pitchFamily="49" charset="0"/>
+                <a:cs typeface="Courier New" panose="02070309020205020404" pitchFamily="49" charset="0"/>
+              </a:rPr>
+              <a:t>()</a:t>
+            </a:r>
+            <a:br>
+              <a:rPr kumimoji="0" lang="ko-KR" altLang="ko-KR" sz="1200" b="0" i="0" u="none" strike="noStrike" cap="none" normalizeH="0" baseline="0" dirty="0">
+                <a:ln>
+                  <a:noFill/>
+                </a:ln>
+                <a:solidFill>
+                  <a:srgbClr val="A9B7C6"/>
+                </a:solidFill>
+                <a:effectLst/>
+                <a:latin typeface="Courier New" panose="02070309020205020404" pitchFamily="49" charset="0"/>
+                <a:cs typeface="Courier New" panose="02070309020205020404" pitchFamily="49" charset="0"/>
+              </a:rPr>
+            </a:br>
+            <a:r>
+              <a:rPr kumimoji="0" lang="ko-KR" altLang="ko-KR" sz="1200" b="0" i="0" u="none" strike="noStrike" cap="none" normalizeH="0" baseline="0" dirty="0">
+                <a:ln>
+                  <a:noFill/>
+                </a:ln>
+                <a:solidFill>
+                  <a:srgbClr val="A9B7C6"/>
+                </a:solidFill>
+                <a:effectLst/>
+                <a:latin typeface="Courier New" panose="02070309020205020404" pitchFamily="49" charset="0"/>
+                <a:cs typeface="Courier New" panose="02070309020205020404" pitchFamily="49" charset="0"/>
+              </a:rPr>
+              <a:t>    </a:t>
+            </a:r>
+            <a:r>
+              <a:rPr kumimoji="0" lang="ko-KR" altLang="ko-KR" sz="1200" b="0" i="0" u="none" strike="noStrike" cap="none" normalizeH="0" baseline="0" dirty="0" err="1">
+                <a:ln>
+                  <a:noFill/>
+                </a:ln>
+                <a:solidFill>
+                  <a:srgbClr val="94558D"/>
+                </a:solidFill>
+                <a:effectLst/>
+                <a:latin typeface="Courier New" panose="02070309020205020404" pitchFamily="49" charset="0"/>
+                <a:cs typeface="Courier New" panose="02070309020205020404" pitchFamily="49" charset="0"/>
+              </a:rPr>
+              <a:t>self</a:t>
+            </a:r>
+            <a:r>
+              <a:rPr kumimoji="0" lang="ko-KR" altLang="ko-KR" sz="1200" b="0" i="0" u="none" strike="noStrike" cap="none" normalizeH="0" baseline="0" dirty="0" err="1">
+                <a:ln>
+                  <a:noFill/>
+                </a:ln>
+                <a:solidFill>
+                  <a:srgbClr val="A9B7C6"/>
+                </a:solidFill>
+                <a:effectLst/>
+                <a:latin typeface="Courier New" panose="02070309020205020404" pitchFamily="49" charset="0"/>
+                <a:cs typeface="Courier New" panose="02070309020205020404" pitchFamily="49" charset="0"/>
+              </a:rPr>
+              <a:t>.ui.update</a:t>
+            </a:r>
+            <a:r>
+              <a:rPr kumimoji="0" lang="ko-KR" altLang="ko-KR" sz="1200" b="0" i="0" u="none" strike="noStrike" cap="none" normalizeH="0" baseline="0" dirty="0">
+                <a:ln>
+                  <a:noFill/>
+                </a:ln>
+                <a:solidFill>
+                  <a:srgbClr val="A9B7C6"/>
+                </a:solidFill>
+                <a:effectLst/>
+                <a:latin typeface="Courier New" panose="02070309020205020404" pitchFamily="49" charset="0"/>
+                <a:cs typeface="Courier New" panose="02070309020205020404" pitchFamily="49" charset="0"/>
+              </a:rPr>
+              <a:t>()</a:t>
+            </a:r>
+            <a:endParaRPr kumimoji="0" lang="ko-KR" altLang="ko-KR" sz="1800" b="0" i="0" u="none" strike="noStrike" cap="none" normalizeH="0" baseline="0" dirty="0">
+              <a:ln>
+                <a:noFill/>
+              </a:ln>
+              <a:solidFill>
+                <a:schemeClr val="tx1"/>
+              </a:solidFill>
+              <a:effectLst/>
+              <a:latin typeface="Arial" panose="020B0604020202020204" pitchFamily="34" charset="0"/>
+            </a:endParaRPr>
           </a:p>
         </p:txBody>
       </p:sp>
@@ -12016,7 +13299,10 @@
           <a:bodyPr/>
           <a:lstStyle/>
           <a:p>
-            <a:endParaRPr lang="ko-KR" altLang="en-US"/>
+            <a:r>
+              <a:rPr lang="ko-KR" altLang="en-US" dirty="0"/>
+              <a:t>화면에 글자 출력하기</a:t>
+            </a:r>
           </a:p>
         </p:txBody>
       </p:sp>
@@ -12036,6 +13322,1875 @@
           <a:lstStyle/>
           <a:p>
             <a:endParaRPr lang="ko-KR" altLang="en-US"/>
+          </a:p>
+        </p:txBody>
+      </p:sp>
+      <p:sp>
+        <p:nvSpPr>
+          <p:cNvPr id="4" name="Rectangle 1">
+            <a:extLst>
+              <a:ext uri="{FF2B5EF4-FFF2-40B4-BE49-F238E27FC236}">
+                <a16:creationId xmlns:a16="http://schemas.microsoft.com/office/drawing/2014/main" id="{F64A9288-14DE-457D-995D-4CB2C2D15F50}"/>
+              </a:ext>
+            </a:extLst>
+          </p:cNvPr>
+          <p:cNvSpPr>
+            <a:spLocks noChangeArrowheads="1"/>
+          </p:cNvSpPr>
+          <p:nvPr/>
+        </p:nvSpPr>
+        <p:spPr bwMode="auto">
+          <a:xfrm>
+            <a:off x="179512" y="2090679"/>
+            <a:ext cx="8892480" cy="2862322"/>
+          </a:xfrm>
+          <a:prstGeom prst="rect">
+            <a:avLst/>
+          </a:prstGeom>
+          <a:solidFill>
+            <a:srgbClr val="2B2B2B"/>
+          </a:solidFill>
+          <a:ln>
+            <a:noFill/>
+          </a:ln>
+          <a:effectLst/>
+          <a:extLst>
+            <a:ext uri="{91240B29-F687-4F45-9708-019B960494DF}">
+              <a14:hiddenLine xmlns:a14="http://schemas.microsoft.com/office/drawing/2010/main" w="9525">
+                <a:solidFill>
+                  <a:schemeClr val="tx1"/>
+                </a:solidFill>
+                <a:miter lim="800000"/>
+                <a:headEnd/>
+                <a:tailEnd/>
+              </a14:hiddenLine>
+            </a:ext>
+            <a:ext uri="{AF507438-7753-43E0-B8FC-AC1667EBCBE1}">
+              <a14:hiddenEffects xmlns:a14="http://schemas.microsoft.com/office/drawing/2010/main">
+                <a:effectLst>
+                  <a:outerShdw dist="35921" dir="2700000" algn="ctr" rotWithShape="0">
+                    <a:schemeClr val="bg2"/>
+                  </a:outerShdw>
+                </a:effectLst>
+              </a14:hiddenEffects>
+            </a:ext>
+          </a:extLst>
+        </p:spPr>
+        <p:txBody>
+          <a:bodyPr vert="horz" wrap="square" lIns="91440" tIns="45720" rIns="91440" bIns="45720" numCol="1" anchor="ctr" anchorCtr="0" compatLnSpc="1">
+            <a:prstTxWarp prst="textNoShape">
+              <a:avLst/>
+            </a:prstTxWarp>
+            <a:spAutoFit/>
+          </a:bodyPr>
+          <a:lstStyle/>
+          <a:p>
+            <a:pPr marL="0" marR="0" lvl="0" indent="0" algn="l" defTabSz="914400" rtl="0" eaLnBrk="0" fontAlgn="base" latinLnBrk="0" hangingPunct="0">
+              <a:lnSpc>
+                <a:spcPct val="100000"/>
+              </a:lnSpc>
+              <a:spcBef>
+                <a:spcPct val="0"/>
+              </a:spcBef>
+              <a:spcAft>
+                <a:spcPct val="0"/>
+              </a:spcAft>
+              <a:buClrTx/>
+              <a:buSzTx/>
+              <a:buFontTx/>
+              <a:buNone/>
+              <a:tabLst/>
+            </a:pPr>
+            <a:r>
+              <a:rPr kumimoji="0" lang="ko-KR" altLang="ko-KR" sz="1200" b="0" i="0" u="none" strike="noStrike" cap="none" normalizeH="0" baseline="0">
+                <a:ln>
+                  <a:noFill/>
+                </a:ln>
+                <a:solidFill>
+                  <a:srgbClr val="CC7832"/>
+                </a:solidFill>
+                <a:effectLst/>
+                <a:latin typeface="Courier New" panose="02070309020205020404" pitchFamily="49" charset="0"/>
+                <a:cs typeface="Courier New" panose="02070309020205020404" pitchFamily="49" charset="0"/>
+              </a:rPr>
+              <a:t>def </a:t>
+            </a:r>
+            <a:r>
+              <a:rPr kumimoji="0" lang="ko-KR" altLang="ko-KR" sz="1200" b="0" i="0" u="none" strike="noStrike" cap="none" normalizeH="0" baseline="0">
+                <a:ln>
+                  <a:noFill/>
+                </a:ln>
+                <a:solidFill>
+                  <a:srgbClr val="FFC66D"/>
+                </a:solidFill>
+                <a:effectLst/>
+                <a:latin typeface="Courier New" panose="02070309020205020404" pitchFamily="49" charset="0"/>
+                <a:cs typeface="Courier New" panose="02070309020205020404" pitchFamily="49" charset="0"/>
+              </a:rPr>
+              <a:t>update</a:t>
+            </a:r>
+            <a:r>
+              <a:rPr kumimoji="0" lang="ko-KR" altLang="ko-KR" sz="1200" b="0" i="0" u="none" strike="noStrike" cap="none" normalizeH="0" baseline="0">
+                <a:ln>
+                  <a:noFill/>
+                </a:ln>
+                <a:solidFill>
+                  <a:srgbClr val="A9B7C6"/>
+                </a:solidFill>
+                <a:effectLst/>
+                <a:latin typeface="Courier New" panose="02070309020205020404" pitchFamily="49" charset="0"/>
+                <a:cs typeface="Courier New" panose="02070309020205020404" pitchFamily="49" charset="0"/>
+              </a:rPr>
+              <a:t>(</a:t>
+            </a:r>
+            <a:r>
+              <a:rPr kumimoji="0" lang="ko-KR" altLang="ko-KR" sz="1200" b="0" i="0" u="none" strike="noStrike" cap="none" normalizeH="0" baseline="0">
+                <a:ln>
+                  <a:noFill/>
+                </a:ln>
+                <a:solidFill>
+                  <a:srgbClr val="94558D"/>
+                </a:solidFill>
+                <a:effectLst/>
+                <a:latin typeface="Courier New" panose="02070309020205020404" pitchFamily="49" charset="0"/>
+                <a:cs typeface="Courier New" panose="02070309020205020404" pitchFamily="49" charset="0"/>
+              </a:rPr>
+              <a:t>self</a:t>
+            </a:r>
+            <a:r>
+              <a:rPr kumimoji="0" lang="ko-KR" altLang="ko-KR" sz="1200" b="0" i="0" u="none" strike="noStrike" cap="none" normalizeH="0" baseline="0">
+                <a:ln>
+                  <a:noFill/>
+                </a:ln>
+                <a:solidFill>
+                  <a:srgbClr val="A9B7C6"/>
+                </a:solidFill>
+                <a:effectLst/>
+                <a:latin typeface="Courier New" panose="02070309020205020404" pitchFamily="49" charset="0"/>
+                <a:cs typeface="Courier New" panose="02070309020205020404" pitchFamily="49" charset="0"/>
+              </a:rPr>
+              <a:t>):</a:t>
+            </a:r>
+            <a:br>
+              <a:rPr kumimoji="0" lang="ko-KR" altLang="ko-KR" sz="1200" b="0" i="0" u="none" strike="noStrike" cap="none" normalizeH="0" baseline="0">
+                <a:ln>
+                  <a:noFill/>
+                </a:ln>
+                <a:solidFill>
+                  <a:srgbClr val="A9B7C6"/>
+                </a:solidFill>
+                <a:effectLst/>
+                <a:latin typeface="Courier New" panose="02070309020205020404" pitchFamily="49" charset="0"/>
+                <a:cs typeface="Courier New" panose="02070309020205020404" pitchFamily="49" charset="0"/>
+              </a:rPr>
+            </a:br>
+            <a:r>
+              <a:rPr kumimoji="0" lang="ko-KR" altLang="ko-KR" sz="1200" b="0" i="0" u="none" strike="noStrike" cap="none" normalizeH="0" baseline="0">
+                <a:ln>
+                  <a:noFill/>
+                </a:ln>
+                <a:solidFill>
+                  <a:srgbClr val="A9B7C6"/>
+                </a:solidFill>
+                <a:effectLst/>
+                <a:latin typeface="Courier New" panose="02070309020205020404" pitchFamily="49" charset="0"/>
+                <a:cs typeface="Courier New" panose="02070309020205020404" pitchFamily="49" charset="0"/>
+              </a:rPr>
+              <a:t>    </a:t>
+            </a:r>
+            <a:r>
+              <a:rPr kumimoji="0" lang="ko-KR" altLang="ko-KR" sz="1200" b="0" i="0" u="none" strike="noStrike" cap="none" normalizeH="0" baseline="0">
+                <a:ln>
+                  <a:noFill/>
+                </a:ln>
+                <a:solidFill>
+                  <a:srgbClr val="94558D"/>
+                </a:solidFill>
+                <a:effectLst/>
+                <a:latin typeface="Courier New" panose="02070309020205020404" pitchFamily="49" charset="0"/>
+                <a:cs typeface="Courier New" panose="02070309020205020404" pitchFamily="49" charset="0"/>
+              </a:rPr>
+              <a:t>self</a:t>
+            </a:r>
+            <a:r>
+              <a:rPr kumimoji="0" lang="ko-KR" altLang="ko-KR" sz="1200" b="0" i="0" u="none" strike="noStrike" cap="none" normalizeH="0" baseline="0">
+                <a:ln>
+                  <a:noFill/>
+                </a:ln>
+                <a:solidFill>
+                  <a:srgbClr val="A9B7C6"/>
+                </a:solidFill>
+                <a:effectLst/>
+                <a:latin typeface="Courier New" panose="02070309020205020404" pitchFamily="49" charset="0"/>
+                <a:cs typeface="Courier New" panose="02070309020205020404" pitchFamily="49" charset="0"/>
+              </a:rPr>
+              <a:t>.image.fill(</a:t>
+            </a:r>
+            <a:r>
+              <a:rPr kumimoji="0" lang="ko-KR" altLang="ko-KR" sz="1200" b="0" i="0" u="none" strike="noStrike" cap="none" normalizeH="0" baseline="0">
+                <a:ln>
+                  <a:noFill/>
+                </a:ln>
+                <a:solidFill>
+                  <a:srgbClr val="6A8759"/>
+                </a:solidFill>
+                <a:effectLst/>
+                <a:latin typeface="Courier New" panose="02070309020205020404" pitchFamily="49" charset="0"/>
+                <a:cs typeface="Courier New" panose="02070309020205020404" pitchFamily="49" charset="0"/>
+              </a:rPr>
+              <a:t>'Black'</a:t>
+            </a:r>
+            <a:r>
+              <a:rPr kumimoji="0" lang="ko-KR" altLang="ko-KR" sz="1200" b="0" i="0" u="none" strike="noStrike" cap="none" normalizeH="0" baseline="0">
+                <a:ln>
+                  <a:noFill/>
+                </a:ln>
+                <a:solidFill>
+                  <a:srgbClr val="A9B7C6"/>
+                </a:solidFill>
+                <a:effectLst/>
+                <a:latin typeface="Courier New" panose="02070309020205020404" pitchFamily="49" charset="0"/>
+                <a:cs typeface="Courier New" panose="02070309020205020404" pitchFamily="49" charset="0"/>
+              </a:rPr>
+              <a:t>)</a:t>
+            </a:r>
+            <a:br>
+              <a:rPr kumimoji="0" lang="ko-KR" altLang="ko-KR" sz="1200" b="0" i="0" u="none" strike="noStrike" cap="none" normalizeH="0" baseline="0">
+                <a:ln>
+                  <a:noFill/>
+                </a:ln>
+                <a:solidFill>
+                  <a:srgbClr val="A9B7C6"/>
+                </a:solidFill>
+                <a:effectLst/>
+                <a:latin typeface="Courier New" panose="02070309020205020404" pitchFamily="49" charset="0"/>
+                <a:cs typeface="Courier New" panose="02070309020205020404" pitchFamily="49" charset="0"/>
+              </a:rPr>
+            </a:br>
+            <a:r>
+              <a:rPr kumimoji="0" lang="ko-KR" altLang="ko-KR" sz="1200" b="0" i="0" u="none" strike="noStrike" cap="none" normalizeH="0" baseline="0">
+                <a:ln>
+                  <a:noFill/>
+                </a:ln>
+                <a:solidFill>
+                  <a:srgbClr val="A9B7C6"/>
+                </a:solidFill>
+                <a:effectLst/>
+                <a:latin typeface="Courier New" panose="02070309020205020404" pitchFamily="49" charset="0"/>
+                <a:cs typeface="Courier New" panose="02070309020205020404" pitchFamily="49" charset="0"/>
+              </a:rPr>
+              <a:t>    pygame.draw.rect(</a:t>
+            </a:r>
+            <a:r>
+              <a:rPr kumimoji="0" lang="ko-KR" altLang="ko-KR" sz="1200" b="0" i="0" u="none" strike="noStrike" cap="none" normalizeH="0" baseline="0">
+                <a:ln>
+                  <a:noFill/>
+                </a:ln>
+                <a:solidFill>
+                  <a:srgbClr val="94558D"/>
+                </a:solidFill>
+                <a:effectLst/>
+                <a:latin typeface="Courier New" panose="02070309020205020404" pitchFamily="49" charset="0"/>
+                <a:cs typeface="Courier New" panose="02070309020205020404" pitchFamily="49" charset="0"/>
+              </a:rPr>
+              <a:t>self</a:t>
+            </a:r>
+            <a:r>
+              <a:rPr kumimoji="0" lang="ko-KR" altLang="ko-KR" sz="1200" b="0" i="0" u="none" strike="noStrike" cap="none" normalizeH="0" baseline="0">
+                <a:ln>
+                  <a:noFill/>
+                </a:ln>
+                <a:solidFill>
+                  <a:srgbClr val="A9B7C6"/>
+                </a:solidFill>
+                <a:effectLst/>
+                <a:latin typeface="Courier New" panose="02070309020205020404" pitchFamily="49" charset="0"/>
+                <a:cs typeface="Courier New" panose="02070309020205020404" pitchFamily="49" charset="0"/>
+              </a:rPr>
+              <a:t>.image</a:t>
+            </a:r>
+            <a:r>
+              <a:rPr kumimoji="0" lang="ko-KR" altLang="ko-KR" sz="1200" b="0" i="0" u="none" strike="noStrike" cap="none" normalizeH="0" baseline="0">
+                <a:ln>
+                  <a:noFill/>
+                </a:ln>
+                <a:solidFill>
+                  <a:srgbClr val="CC7832"/>
+                </a:solidFill>
+                <a:effectLst/>
+                <a:latin typeface="Courier New" panose="02070309020205020404" pitchFamily="49" charset="0"/>
+                <a:cs typeface="Courier New" panose="02070309020205020404" pitchFamily="49" charset="0"/>
+              </a:rPr>
+              <a:t>, </a:t>
+            </a:r>
+            <a:r>
+              <a:rPr kumimoji="0" lang="ko-KR" altLang="ko-KR" sz="1200" b="0" i="0" u="none" strike="noStrike" cap="none" normalizeH="0" baseline="0">
+                <a:ln>
+                  <a:noFill/>
+                </a:ln>
+                <a:solidFill>
+                  <a:srgbClr val="6A8759"/>
+                </a:solidFill>
+                <a:effectLst/>
+                <a:latin typeface="Courier New" panose="02070309020205020404" pitchFamily="49" charset="0"/>
+                <a:cs typeface="Courier New" panose="02070309020205020404" pitchFamily="49" charset="0"/>
+              </a:rPr>
+              <a:t>'Gray'</a:t>
+            </a:r>
+            <a:r>
+              <a:rPr kumimoji="0" lang="ko-KR" altLang="ko-KR" sz="1200" b="0" i="0" u="none" strike="noStrike" cap="none" normalizeH="0" baseline="0">
+                <a:ln>
+                  <a:noFill/>
+                </a:ln>
+                <a:solidFill>
+                  <a:srgbClr val="CC7832"/>
+                </a:solidFill>
+                <a:effectLst/>
+                <a:latin typeface="Courier New" panose="02070309020205020404" pitchFamily="49" charset="0"/>
+                <a:cs typeface="Courier New" panose="02070309020205020404" pitchFamily="49" charset="0"/>
+              </a:rPr>
+              <a:t>, </a:t>
+            </a:r>
+            <a:r>
+              <a:rPr kumimoji="0" lang="ko-KR" altLang="ko-KR" sz="1200" b="0" i="0" u="none" strike="noStrike" cap="none" normalizeH="0" baseline="0">
+                <a:ln>
+                  <a:noFill/>
+                </a:ln>
+                <a:solidFill>
+                  <a:srgbClr val="A9B7C6"/>
+                </a:solidFill>
+                <a:effectLst/>
+                <a:latin typeface="Courier New" panose="02070309020205020404" pitchFamily="49" charset="0"/>
+                <a:cs typeface="Courier New" panose="02070309020205020404" pitchFamily="49" charset="0"/>
+              </a:rPr>
+              <a:t>(</a:t>
+            </a:r>
+            <a:r>
+              <a:rPr kumimoji="0" lang="ko-KR" altLang="ko-KR" sz="1200" b="0" i="0" u="none" strike="noStrike" cap="none" normalizeH="0" baseline="0">
+                <a:ln>
+                  <a:noFill/>
+                </a:ln>
+                <a:solidFill>
+                  <a:srgbClr val="6897BB"/>
+                </a:solidFill>
+                <a:effectLst/>
+                <a:latin typeface="Courier New" panose="02070309020205020404" pitchFamily="49" charset="0"/>
+                <a:cs typeface="Courier New" panose="02070309020205020404" pitchFamily="49" charset="0"/>
+              </a:rPr>
+              <a:t>10</a:t>
+            </a:r>
+            <a:r>
+              <a:rPr kumimoji="0" lang="ko-KR" altLang="ko-KR" sz="1200" b="0" i="0" u="none" strike="noStrike" cap="none" normalizeH="0" baseline="0">
+                <a:ln>
+                  <a:noFill/>
+                </a:ln>
+                <a:solidFill>
+                  <a:srgbClr val="CC7832"/>
+                </a:solidFill>
+                <a:effectLst/>
+                <a:latin typeface="Courier New" panose="02070309020205020404" pitchFamily="49" charset="0"/>
+                <a:cs typeface="Courier New" panose="02070309020205020404" pitchFamily="49" charset="0"/>
+              </a:rPr>
+              <a:t>,</a:t>
+            </a:r>
+            <a:r>
+              <a:rPr kumimoji="0" lang="ko-KR" altLang="ko-KR" sz="1200" b="0" i="0" u="none" strike="noStrike" cap="none" normalizeH="0" baseline="0">
+                <a:ln>
+                  <a:noFill/>
+                </a:ln>
+                <a:solidFill>
+                  <a:srgbClr val="6897BB"/>
+                </a:solidFill>
+                <a:effectLst/>
+                <a:latin typeface="Courier New" panose="02070309020205020404" pitchFamily="49" charset="0"/>
+                <a:cs typeface="Courier New" panose="02070309020205020404" pitchFamily="49" charset="0"/>
+              </a:rPr>
+              <a:t>10</a:t>
+            </a:r>
+            <a:r>
+              <a:rPr kumimoji="0" lang="ko-KR" altLang="ko-KR" sz="1200" b="0" i="0" u="none" strike="noStrike" cap="none" normalizeH="0" baseline="0">
+                <a:ln>
+                  <a:noFill/>
+                </a:ln>
+                <a:solidFill>
+                  <a:srgbClr val="CC7832"/>
+                </a:solidFill>
+                <a:effectLst/>
+                <a:latin typeface="Courier New" panose="02070309020205020404" pitchFamily="49" charset="0"/>
+                <a:cs typeface="Courier New" panose="02070309020205020404" pitchFamily="49" charset="0"/>
+              </a:rPr>
+              <a:t>, </a:t>
+            </a:r>
+            <a:r>
+              <a:rPr kumimoji="0" lang="ko-KR" altLang="ko-KR" sz="1200" b="0" i="0" u="none" strike="noStrike" cap="none" normalizeH="0" baseline="0">
+                <a:ln>
+                  <a:noFill/>
+                </a:ln>
+                <a:solidFill>
+                  <a:srgbClr val="A9B7C6"/>
+                </a:solidFill>
+                <a:effectLst/>
+                <a:latin typeface="Courier New" panose="02070309020205020404" pitchFamily="49" charset="0"/>
+                <a:cs typeface="Courier New" panose="02070309020205020404" pitchFamily="49" charset="0"/>
+              </a:rPr>
+              <a:t>SCREEN_X-</a:t>
+            </a:r>
+            <a:r>
+              <a:rPr kumimoji="0" lang="ko-KR" altLang="ko-KR" sz="1200" b="0" i="0" u="none" strike="noStrike" cap="none" normalizeH="0" baseline="0">
+                <a:ln>
+                  <a:noFill/>
+                </a:ln>
+                <a:solidFill>
+                  <a:srgbClr val="6897BB"/>
+                </a:solidFill>
+                <a:effectLst/>
+                <a:latin typeface="Courier New" panose="02070309020205020404" pitchFamily="49" charset="0"/>
+                <a:cs typeface="Courier New" panose="02070309020205020404" pitchFamily="49" charset="0"/>
+              </a:rPr>
+              <a:t>20</a:t>
+            </a:r>
+            <a:r>
+              <a:rPr kumimoji="0" lang="ko-KR" altLang="ko-KR" sz="1200" b="0" i="0" u="none" strike="noStrike" cap="none" normalizeH="0" baseline="0">
+                <a:ln>
+                  <a:noFill/>
+                </a:ln>
+                <a:solidFill>
+                  <a:srgbClr val="CC7832"/>
+                </a:solidFill>
+                <a:effectLst/>
+                <a:latin typeface="Courier New" panose="02070309020205020404" pitchFamily="49" charset="0"/>
+                <a:cs typeface="Courier New" panose="02070309020205020404" pitchFamily="49" charset="0"/>
+              </a:rPr>
+              <a:t>, </a:t>
+            </a:r>
+            <a:r>
+              <a:rPr kumimoji="0" lang="ko-KR" altLang="ko-KR" sz="1200" b="0" i="0" u="none" strike="noStrike" cap="none" normalizeH="0" baseline="0">
+                <a:ln>
+                  <a:noFill/>
+                </a:ln>
+                <a:solidFill>
+                  <a:srgbClr val="A9B7C6"/>
+                </a:solidFill>
+                <a:effectLst/>
+                <a:latin typeface="Courier New" panose="02070309020205020404" pitchFamily="49" charset="0"/>
+                <a:cs typeface="Courier New" panose="02070309020205020404" pitchFamily="49" charset="0"/>
+              </a:rPr>
+              <a:t>SCREEN_Y-</a:t>
+            </a:r>
+            <a:r>
+              <a:rPr kumimoji="0" lang="ko-KR" altLang="ko-KR" sz="1200" b="0" i="0" u="none" strike="noStrike" cap="none" normalizeH="0" baseline="0">
+                <a:ln>
+                  <a:noFill/>
+                </a:ln>
+                <a:solidFill>
+                  <a:srgbClr val="6897BB"/>
+                </a:solidFill>
+                <a:effectLst/>
+                <a:latin typeface="Courier New" panose="02070309020205020404" pitchFamily="49" charset="0"/>
+                <a:cs typeface="Courier New" panose="02070309020205020404" pitchFamily="49" charset="0"/>
+              </a:rPr>
+              <a:t>20</a:t>
+            </a:r>
+            <a:r>
+              <a:rPr kumimoji="0" lang="ko-KR" altLang="ko-KR" sz="1200" b="0" i="0" u="none" strike="noStrike" cap="none" normalizeH="0" baseline="0">
+                <a:ln>
+                  <a:noFill/>
+                </a:ln>
+                <a:solidFill>
+                  <a:srgbClr val="A9B7C6"/>
+                </a:solidFill>
+                <a:effectLst/>
+                <a:latin typeface="Courier New" panose="02070309020205020404" pitchFamily="49" charset="0"/>
+                <a:cs typeface="Courier New" panose="02070309020205020404" pitchFamily="49" charset="0"/>
+              </a:rPr>
+              <a:t>)</a:t>
+            </a:r>
+            <a:r>
+              <a:rPr kumimoji="0" lang="ko-KR" altLang="ko-KR" sz="1200" b="0" i="0" u="none" strike="noStrike" cap="none" normalizeH="0" baseline="0">
+                <a:ln>
+                  <a:noFill/>
+                </a:ln>
+                <a:solidFill>
+                  <a:srgbClr val="CC7832"/>
+                </a:solidFill>
+                <a:effectLst/>
+                <a:latin typeface="Courier New" panose="02070309020205020404" pitchFamily="49" charset="0"/>
+                <a:cs typeface="Courier New" panose="02070309020205020404" pitchFamily="49" charset="0"/>
+              </a:rPr>
+              <a:t>, </a:t>
+            </a:r>
+            <a:r>
+              <a:rPr kumimoji="0" lang="ko-KR" altLang="ko-KR" sz="1200" b="0" i="0" u="none" strike="noStrike" cap="none" normalizeH="0" baseline="0">
+                <a:ln>
+                  <a:noFill/>
+                </a:ln>
+                <a:solidFill>
+                  <a:srgbClr val="6897BB"/>
+                </a:solidFill>
+                <a:effectLst/>
+                <a:latin typeface="Courier New" panose="02070309020205020404" pitchFamily="49" charset="0"/>
+                <a:cs typeface="Courier New" panose="02070309020205020404" pitchFamily="49" charset="0"/>
+              </a:rPr>
+              <a:t>10</a:t>
+            </a:r>
+            <a:r>
+              <a:rPr kumimoji="0" lang="ko-KR" altLang="ko-KR" sz="1200" b="0" i="0" u="none" strike="noStrike" cap="none" normalizeH="0" baseline="0">
+                <a:ln>
+                  <a:noFill/>
+                </a:ln>
+                <a:solidFill>
+                  <a:srgbClr val="CC7832"/>
+                </a:solidFill>
+                <a:effectLst/>
+                <a:latin typeface="Courier New" panose="02070309020205020404" pitchFamily="49" charset="0"/>
+                <a:cs typeface="Courier New" panose="02070309020205020404" pitchFamily="49" charset="0"/>
+              </a:rPr>
+              <a:t>, </a:t>
+            </a:r>
+            <a:r>
+              <a:rPr kumimoji="0" lang="ko-KR" altLang="ko-KR" sz="1200" b="0" i="0" u="none" strike="noStrike" cap="none" normalizeH="0" baseline="0">
+                <a:ln>
+                  <a:noFill/>
+                </a:ln>
+                <a:solidFill>
+                  <a:srgbClr val="6897BB"/>
+                </a:solidFill>
+                <a:effectLst/>
+                <a:latin typeface="Courier New" panose="02070309020205020404" pitchFamily="49" charset="0"/>
+                <a:cs typeface="Courier New" panose="02070309020205020404" pitchFamily="49" charset="0"/>
+              </a:rPr>
+              <a:t>10</a:t>
+            </a:r>
+            <a:r>
+              <a:rPr kumimoji="0" lang="ko-KR" altLang="ko-KR" sz="1200" b="0" i="0" u="none" strike="noStrike" cap="none" normalizeH="0" baseline="0">
+                <a:ln>
+                  <a:noFill/>
+                </a:ln>
+                <a:solidFill>
+                  <a:srgbClr val="A9B7C6"/>
+                </a:solidFill>
+                <a:effectLst/>
+                <a:latin typeface="Courier New" panose="02070309020205020404" pitchFamily="49" charset="0"/>
+                <a:cs typeface="Courier New" panose="02070309020205020404" pitchFamily="49" charset="0"/>
+              </a:rPr>
+              <a:t>)</a:t>
+            </a:r>
+            <a:br>
+              <a:rPr kumimoji="0" lang="ko-KR" altLang="ko-KR" sz="1200" b="0" i="0" u="none" strike="noStrike" cap="none" normalizeH="0" baseline="0">
+                <a:ln>
+                  <a:noFill/>
+                </a:ln>
+                <a:solidFill>
+                  <a:srgbClr val="A9B7C6"/>
+                </a:solidFill>
+                <a:effectLst/>
+                <a:latin typeface="Courier New" panose="02070309020205020404" pitchFamily="49" charset="0"/>
+                <a:cs typeface="Courier New" panose="02070309020205020404" pitchFamily="49" charset="0"/>
+              </a:rPr>
+            </a:br>
+            <a:r>
+              <a:rPr kumimoji="0" lang="ko-KR" altLang="ko-KR" sz="1200" b="0" i="0" u="none" strike="noStrike" cap="none" normalizeH="0" baseline="0">
+                <a:ln>
+                  <a:noFill/>
+                </a:ln>
+                <a:solidFill>
+                  <a:srgbClr val="A9B7C6"/>
+                </a:solidFill>
+                <a:effectLst/>
+                <a:latin typeface="Courier New" panose="02070309020205020404" pitchFamily="49" charset="0"/>
+                <a:cs typeface="Courier New" panose="02070309020205020404" pitchFamily="49" charset="0"/>
+              </a:rPr>
+              <a:t>    </a:t>
+            </a:r>
+            <a:r>
+              <a:rPr kumimoji="0" lang="ko-KR" altLang="ko-KR" sz="1200" b="0" i="0" u="none" strike="noStrike" cap="none" normalizeH="0" baseline="0">
+                <a:ln>
+                  <a:noFill/>
+                </a:ln>
+                <a:solidFill>
+                  <a:srgbClr val="94558D"/>
+                </a:solidFill>
+                <a:effectLst/>
+                <a:latin typeface="Courier New" panose="02070309020205020404" pitchFamily="49" charset="0"/>
+                <a:cs typeface="Courier New" panose="02070309020205020404" pitchFamily="49" charset="0"/>
+              </a:rPr>
+              <a:t>self</a:t>
+            </a:r>
+            <a:r>
+              <a:rPr kumimoji="0" lang="ko-KR" altLang="ko-KR" sz="1200" b="0" i="0" u="none" strike="noStrike" cap="none" normalizeH="0" baseline="0">
+                <a:ln>
+                  <a:noFill/>
+                </a:ln>
+                <a:solidFill>
+                  <a:srgbClr val="A9B7C6"/>
+                </a:solidFill>
+                <a:effectLst/>
+                <a:latin typeface="Courier New" panose="02070309020205020404" pitchFamily="49" charset="0"/>
+                <a:cs typeface="Courier New" panose="02070309020205020404" pitchFamily="49" charset="0"/>
+              </a:rPr>
+              <a:t>.ui_health = </a:t>
+            </a:r>
+            <a:r>
+              <a:rPr kumimoji="0" lang="ko-KR" altLang="ko-KR" sz="1200" b="0" i="0" u="none" strike="noStrike" cap="none" normalizeH="0" baseline="0">
+                <a:ln>
+                  <a:noFill/>
+                </a:ln>
+                <a:solidFill>
+                  <a:srgbClr val="94558D"/>
+                </a:solidFill>
+                <a:effectLst/>
+                <a:latin typeface="Courier New" panose="02070309020205020404" pitchFamily="49" charset="0"/>
+                <a:cs typeface="Courier New" panose="02070309020205020404" pitchFamily="49" charset="0"/>
+              </a:rPr>
+              <a:t>self</a:t>
+            </a:r>
+            <a:r>
+              <a:rPr kumimoji="0" lang="ko-KR" altLang="ko-KR" sz="1200" b="0" i="0" u="none" strike="noStrike" cap="none" normalizeH="0" baseline="0">
+                <a:ln>
+                  <a:noFill/>
+                </a:ln>
+                <a:solidFill>
+                  <a:srgbClr val="A9B7C6"/>
+                </a:solidFill>
+                <a:effectLst/>
+                <a:latin typeface="Courier New" panose="02070309020205020404" pitchFamily="49" charset="0"/>
+                <a:cs typeface="Courier New" panose="02070309020205020404" pitchFamily="49" charset="0"/>
+              </a:rPr>
+              <a:t>.game.sa.health</a:t>
+            </a:r>
+            <a:br>
+              <a:rPr kumimoji="0" lang="ko-KR" altLang="ko-KR" sz="1200" b="0" i="0" u="none" strike="noStrike" cap="none" normalizeH="0" baseline="0">
+                <a:ln>
+                  <a:noFill/>
+                </a:ln>
+                <a:solidFill>
+                  <a:srgbClr val="A9B7C6"/>
+                </a:solidFill>
+                <a:effectLst/>
+                <a:latin typeface="Courier New" panose="02070309020205020404" pitchFamily="49" charset="0"/>
+                <a:cs typeface="Courier New" panose="02070309020205020404" pitchFamily="49" charset="0"/>
+              </a:rPr>
+            </a:br>
+            <a:r>
+              <a:rPr kumimoji="0" lang="ko-KR" altLang="ko-KR" sz="1200" b="0" i="0" u="none" strike="noStrike" cap="none" normalizeH="0" baseline="0">
+                <a:ln>
+                  <a:noFill/>
+                </a:ln>
+                <a:solidFill>
+                  <a:srgbClr val="A9B7C6"/>
+                </a:solidFill>
+                <a:effectLst/>
+                <a:latin typeface="Courier New" panose="02070309020205020404" pitchFamily="49" charset="0"/>
+                <a:cs typeface="Courier New" panose="02070309020205020404" pitchFamily="49" charset="0"/>
+              </a:rPr>
+              <a:t>    pygame.draw.line(</a:t>
+            </a:r>
+            <a:r>
+              <a:rPr kumimoji="0" lang="ko-KR" altLang="ko-KR" sz="1200" b="0" i="0" u="none" strike="noStrike" cap="none" normalizeH="0" baseline="0">
+                <a:ln>
+                  <a:noFill/>
+                </a:ln>
+                <a:solidFill>
+                  <a:srgbClr val="94558D"/>
+                </a:solidFill>
+                <a:effectLst/>
+                <a:latin typeface="Courier New" panose="02070309020205020404" pitchFamily="49" charset="0"/>
+                <a:cs typeface="Courier New" panose="02070309020205020404" pitchFamily="49" charset="0"/>
+              </a:rPr>
+              <a:t>self</a:t>
+            </a:r>
+            <a:r>
+              <a:rPr kumimoji="0" lang="ko-KR" altLang="ko-KR" sz="1200" b="0" i="0" u="none" strike="noStrike" cap="none" normalizeH="0" baseline="0">
+                <a:ln>
+                  <a:noFill/>
+                </a:ln>
+                <a:solidFill>
+                  <a:srgbClr val="A9B7C6"/>
+                </a:solidFill>
+                <a:effectLst/>
+                <a:latin typeface="Courier New" panose="02070309020205020404" pitchFamily="49" charset="0"/>
+                <a:cs typeface="Courier New" panose="02070309020205020404" pitchFamily="49" charset="0"/>
+              </a:rPr>
+              <a:t>.image</a:t>
+            </a:r>
+            <a:r>
+              <a:rPr kumimoji="0" lang="ko-KR" altLang="ko-KR" sz="1200" b="0" i="0" u="none" strike="noStrike" cap="none" normalizeH="0" baseline="0">
+                <a:ln>
+                  <a:noFill/>
+                </a:ln>
+                <a:solidFill>
+                  <a:srgbClr val="CC7832"/>
+                </a:solidFill>
+                <a:effectLst/>
+                <a:latin typeface="Courier New" panose="02070309020205020404" pitchFamily="49" charset="0"/>
+                <a:cs typeface="Courier New" panose="02070309020205020404" pitchFamily="49" charset="0"/>
+              </a:rPr>
+              <a:t>, </a:t>
+            </a:r>
+            <a:r>
+              <a:rPr kumimoji="0" lang="ko-KR" altLang="ko-KR" sz="1200" b="0" i="0" u="none" strike="noStrike" cap="none" normalizeH="0" baseline="0">
+                <a:ln>
+                  <a:noFill/>
+                </a:ln>
+                <a:solidFill>
+                  <a:srgbClr val="6A8759"/>
+                </a:solidFill>
+                <a:effectLst/>
+                <a:latin typeface="Courier New" panose="02070309020205020404" pitchFamily="49" charset="0"/>
+                <a:cs typeface="Courier New" panose="02070309020205020404" pitchFamily="49" charset="0"/>
+              </a:rPr>
+              <a:t>'Red'</a:t>
+            </a:r>
+            <a:r>
+              <a:rPr kumimoji="0" lang="ko-KR" altLang="ko-KR" sz="1200" b="0" i="0" u="none" strike="noStrike" cap="none" normalizeH="0" baseline="0">
+                <a:ln>
+                  <a:noFill/>
+                </a:ln>
+                <a:solidFill>
+                  <a:srgbClr val="CC7832"/>
+                </a:solidFill>
+                <a:effectLst/>
+                <a:latin typeface="Courier New" panose="02070309020205020404" pitchFamily="49" charset="0"/>
+                <a:cs typeface="Courier New" panose="02070309020205020404" pitchFamily="49" charset="0"/>
+              </a:rPr>
+              <a:t>, </a:t>
+            </a:r>
+            <a:r>
+              <a:rPr kumimoji="0" lang="ko-KR" altLang="ko-KR" sz="1200" b="0" i="0" u="none" strike="noStrike" cap="none" normalizeH="0" baseline="0">
+                <a:ln>
+                  <a:noFill/>
+                </a:ln>
+                <a:solidFill>
+                  <a:srgbClr val="A9B7C6"/>
+                </a:solidFill>
+                <a:effectLst/>
+                <a:latin typeface="Courier New" panose="02070309020205020404" pitchFamily="49" charset="0"/>
+                <a:cs typeface="Courier New" panose="02070309020205020404" pitchFamily="49" charset="0"/>
+              </a:rPr>
+              <a:t>(</a:t>
+            </a:r>
+            <a:r>
+              <a:rPr kumimoji="0" lang="ko-KR" altLang="ko-KR" sz="1200" b="0" i="0" u="none" strike="noStrike" cap="none" normalizeH="0" baseline="0">
+                <a:ln>
+                  <a:noFill/>
+                </a:ln>
+                <a:solidFill>
+                  <a:srgbClr val="6897BB"/>
+                </a:solidFill>
+                <a:effectLst/>
+                <a:latin typeface="Courier New" panose="02070309020205020404" pitchFamily="49" charset="0"/>
+                <a:cs typeface="Courier New" panose="02070309020205020404" pitchFamily="49" charset="0"/>
+              </a:rPr>
+              <a:t>100</a:t>
+            </a:r>
+            <a:r>
+              <a:rPr kumimoji="0" lang="ko-KR" altLang="ko-KR" sz="1200" b="0" i="0" u="none" strike="noStrike" cap="none" normalizeH="0" baseline="0">
+                <a:ln>
+                  <a:noFill/>
+                </a:ln>
+                <a:solidFill>
+                  <a:srgbClr val="CC7832"/>
+                </a:solidFill>
+                <a:effectLst/>
+                <a:latin typeface="Courier New" panose="02070309020205020404" pitchFamily="49" charset="0"/>
+                <a:cs typeface="Courier New" panose="02070309020205020404" pitchFamily="49" charset="0"/>
+              </a:rPr>
+              <a:t>, </a:t>
+            </a:r>
+            <a:r>
+              <a:rPr kumimoji="0" lang="ko-KR" altLang="ko-KR" sz="1200" b="0" i="0" u="none" strike="noStrike" cap="none" normalizeH="0" baseline="0">
+                <a:ln>
+                  <a:noFill/>
+                </a:ln>
+                <a:solidFill>
+                  <a:srgbClr val="A9B7C6"/>
+                </a:solidFill>
+                <a:effectLst/>
+                <a:latin typeface="Courier New" panose="02070309020205020404" pitchFamily="49" charset="0"/>
+                <a:cs typeface="Courier New" panose="02070309020205020404" pitchFamily="49" charset="0"/>
+              </a:rPr>
+              <a:t>SCREEN_Y-</a:t>
+            </a:r>
+            <a:r>
+              <a:rPr kumimoji="0" lang="ko-KR" altLang="ko-KR" sz="1200" b="0" i="0" u="none" strike="noStrike" cap="none" normalizeH="0" baseline="0">
+                <a:ln>
+                  <a:noFill/>
+                </a:ln>
+                <a:solidFill>
+                  <a:srgbClr val="6897BB"/>
+                </a:solidFill>
+                <a:effectLst/>
+                <a:latin typeface="Courier New" panose="02070309020205020404" pitchFamily="49" charset="0"/>
+                <a:cs typeface="Courier New" panose="02070309020205020404" pitchFamily="49" charset="0"/>
+              </a:rPr>
+              <a:t>100</a:t>
+            </a:r>
+            <a:r>
+              <a:rPr kumimoji="0" lang="ko-KR" altLang="ko-KR" sz="1200" b="0" i="0" u="none" strike="noStrike" cap="none" normalizeH="0" baseline="0">
+                <a:ln>
+                  <a:noFill/>
+                </a:ln>
+                <a:solidFill>
+                  <a:srgbClr val="A9B7C6"/>
+                </a:solidFill>
+                <a:effectLst/>
+                <a:latin typeface="Courier New" panose="02070309020205020404" pitchFamily="49" charset="0"/>
+                <a:cs typeface="Courier New" panose="02070309020205020404" pitchFamily="49" charset="0"/>
+              </a:rPr>
+              <a:t>)</a:t>
+            </a:r>
+            <a:r>
+              <a:rPr kumimoji="0" lang="ko-KR" altLang="ko-KR" sz="1200" b="0" i="0" u="none" strike="noStrike" cap="none" normalizeH="0" baseline="0">
+                <a:ln>
+                  <a:noFill/>
+                </a:ln>
+                <a:solidFill>
+                  <a:srgbClr val="CC7832"/>
+                </a:solidFill>
+                <a:effectLst/>
+                <a:latin typeface="Courier New" panose="02070309020205020404" pitchFamily="49" charset="0"/>
+                <a:cs typeface="Courier New" panose="02070309020205020404" pitchFamily="49" charset="0"/>
+              </a:rPr>
+              <a:t>, </a:t>
+            </a:r>
+            <a:r>
+              <a:rPr kumimoji="0" lang="ko-KR" altLang="ko-KR" sz="1200" b="0" i="0" u="none" strike="noStrike" cap="none" normalizeH="0" baseline="0">
+                <a:ln>
+                  <a:noFill/>
+                </a:ln>
+                <a:solidFill>
+                  <a:srgbClr val="A9B7C6"/>
+                </a:solidFill>
+                <a:effectLst/>
+                <a:latin typeface="Courier New" panose="02070309020205020404" pitchFamily="49" charset="0"/>
+                <a:cs typeface="Courier New" panose="02070309020205020404" pitchFamily="49" charset="0"/>
+              </a:rPr>
+              <a:t>(</a:t>
+            </a:r>
+            <a:r>
+              <a:rPr kumimoji="0" lang="ko-KR" altLang="ko-KR" sz="1200" b="0" i="0" u="none" strike="noStrike" cap="none" normalizeH="0" baseline="0">
+                <a:ln>
+                  <a:noFill/>
+                </a:ln>
+                <a:solidFill>
+                  <a:srgbClr val="6897BB"/>
+                </a:solidFill>
+                <a:effectLst/>
+                <a:latin typeface="Courier New" panose="02070309020205020404" pitchFamily="49" charset="0"/>
+                <a:cs typeface="Courier New" panose="02070309020205020404" pitchFamily="49" charset="0"/>
+              </a:rPr>
+              <a:t>100</a:t>
+            </a:r>
+            <a:r>
+              <a:rPr kumimoji="0" lang="ko-KR" altLang="ko-KR" sz="1200" b="0" i="0" u="none" strike="noStrike" cap="none" normalizeH="0" baseline="0">
+                <a:ln>
+                  <a:noFill/>
+                </a:ln>
+                <a:solidFill>
+                  <a:srgbClr val="A9B7C6"/>
+                </a:solidFill>
+                <a:effectLst/>
+                <a:latin typeface="Courier New" panose="02070309020205020404" pitchFamily="49" charset="0"/>
+                <a:cs typeface="Courier New" panose="02070309020205020404" pitchFamily="49" charset="0"/>
+              </a:rPr>
+              <a:t>+</a:t>
+            </a:r>
+            <a:r>
+              <a:rPr kumimoji="0" lang="ko-KR" altLang="ko-KR" sz="1200" b="0" i="0" u="none" strike="noStrike" cap="none" normalizeH="0" baseline="0">
+                <a:ln>
+                  <a:noFill/>
+                </a:ln>
+                <a:solidFill>
+                  <a:srgbClr val="94558D"/>
+                </a:solidFill>
+                <a:effectLst/>
+                <a:latin typeface="Courier New" panose="02070309020205020404" pitchFamily="49" charset="0"/>
+                <a:cs typeface="Courier New" panose="02070309020205020404" pitchFamily="49" charset="0"/>
+              </a:rPr>
+              <a:t>self</a:t>
+            </a:r>
+            <a:r>
+              <a:rPr kumimoji="0" lang="ko-KR" altLang="ko-KR" sz="1200" b="0" i="0" u="none" strike="noStrike" cap="none" normalizeH="0" baseline="0">
+                <a:ln>
+                  <a:noFill/>
+                </a:ln>
+                <a:solidFill>
+                  <a:srgbClr val="A9B7C6"/>
+                </a:solidFill>
+                <a:effectLst/>
+                <a:latin typeface="Courier New" panose="02070309020205020404" pitchFamily="49" charset="0"/>
+                <a:cs typeface="Courier New" panose="02070309020205020404" pitchFamily="49" charset="0"/>
+              </a:rPr>
+              <a:t>.ui_health*</a:t>
+            </a:r>
+            <a:r>
+              <a:rPr kumimoji="0" lang="ko-KR" altLang="ko-KR" sz="1200" b="0" i="0" u="none" strike="noStrike" cap="none" normalizeH="0" baseline="0">
+                <a:ln>
+                  <a:noFill/>
+                </a:ln>
+                <a:solidFill>
+                  <a:srgbClr val="6897BB"/>
+                </a:solidFill>
+                <a:effectLst/>
+                <a:latin typeface="Courier New" panose="02070309020205020404" pitchFamily="49" charset="0"/>
+                <a:cs typeface="Courier New" panose="02070309020205020404" pitchFamily="49" charset="0"/>
+              </a:rPr>
+              <a:t>3</a:t>
+            </a:r>
+            <a:r>
+              <a:rPr kumimoji="0" lang="ko-KR" altLang="ko-KR" sz="1200" b="0" i="0" u="none" strike="noStrike" cap="none" normalizeH="0" baseline="0">
+                <a:ln>
+                  <a:noFill/>
+                </a:ln>
+                <a:solidFill>
+                  <a:srgbClr val="CC7832"/>
+                </a:solidFill>
+                <a:effectLst/>
+                <a:latin typeface="Courier New" panose="02070309020205020404" pitchFamily="49" charset="0"/>
+                <a:cs typeface="Courier New" panose="02070309020205020404" pitchFamily="49" charset="0"/>
+              </a:rPr>
+              <a:t>, </a:t>
+            </a:r>
+            <a:r>
+              <a:rPr kumimoji="0" lang="ko-KR" altLang="ko-KR" sz="1200" b="0" i="0" u="none" strike="noStrike" cap="none" normalizeH="0" baseline="0">
+                <a:ln>
+                  <a:noFill/>
+                </a:ln>
+                <a:solidFill>
+                  <a:srgbClr val="A9B7C6"/>
+                </a:solidFill>
+                <a:effectLst/>
+                <a:latin typeface="Courier New" panose="02070309020205020404" pitchFamily="49" charset="0"/>
+                <a:cs typeface="Courier New" panose="02070309020205020404" pitchFamily="49" charset="0"/>
+              </a:rPr>
+              <a:t>SCREEN_Y-</a:t>
+            </a:r>
+            <a:r>
+              <a:rPr kumimoji="0" lang="ko-KR" altLang="ko-KR" sz="1200" b="0" i="0" u="none" strike="noStrike" cap="none" normalizeH="0" baseline="0">
+                <a:ln>
+                  <a:noFill/>
+                </a:ln>
+                <a:solidFill>
+                  <a:srgbClr val="6897BB"/>
+                </a:solidFill>
+                <a:effectLst/>
+                <a:latin typeface="Courier New" panose="02070309020205020404" pitchFamily="49" charset="0"/>
+                <a:cs typeface="Courier New" panose="02070309020205020404" pitchFamily="49" charset="0"/>
+              </a:rPr>
+              <a:t>100</a:t>
+            </a:r>
+            <a:r>
+              <a:rPr kumimoji="0" lang="ko-KR" altLang="ko-KR" sz="1200" b="0" i="0" u="none" strike="noStrike" cap="none" normalizeH="0" baseline="0">
+                <a:ln>
+                  <a:noFill/>
+                </a:ln>
+                <a:solidFill>
+                  <a:srgbClr val="A9B7C6"/>
+                </a:solidFill>
+                <a:effectLst/>
+                <a:latin typeface="Courier New" panose="02070309020205020404" pitchFamily="49" charset="0"/>
+                <a:cs typeface="Courier New" panose="02070309020205020404" pitchFamily="49" charset="0"/>
+              </a:rPr>
+              <a:t>)</a:t>
+            </a:r>
+            <a:r>
+              <a:rPr kumimoji="0" lang="ko-KR" altLang="ko-KR" sz="1200" b="0" i="0" u="none" strike="noStrike" cap="none" normalizeH="0" baseline="0">
+                <a:ln>
+                  <a:noFill/>
+                </a:ln>
+                <a:solidFill>
+                  <a:srgbClr val="CC7832"/>
+                </a:solidFill>
+                <a:effectLst/>
+                <a:latin typeface="Courier New" panose="02070309020205020404" pitchFamily="49" charset="0"/>
+                <a:cs typeface="Courier New" panose="02070309020205020404" pitchFamily="49" charset="0"/>
+              </a:rPr>
+              <a:t>, </a:t>
+            </a:r>
+            <a:r>
+              <a:rPr kumimoji="0" lang="ko-KR" altLang="ko-KR" sz="1200" b="0" i="0" u="none" strike="noStrike" cap="none" normalizeH="0" baseline="0">
+                <a:ln>
+                  <a:noFill/>
+                </a:ln>
+                <a:solidFill>
+                  <a:srgbClr val="6897BB"/>
+                </a:solidFill>
+                <a:effectLst/>
+                <a:latin typeface="Courier New" panose="02070309020205020404" pitchFamily="49" charset="0"/>
+                <a:cs typeface="Courier New" panose="02070309020205020404" pitchFamily="49" charset="0"/>
+              </a:rPr>
+              <a:t>15</a:t>
+            </a:r>
+            <a:r>
+              <a:rPr kumimoji="0" lang="ko-KR" altLang="ko-KR" sz="1200" b="0" i="0" u="none" strike="noStrike" cap="none" normalizeH="0" baseline="0">
+                <a:ln>
+                  <a:noFill/>
+                </a:ln>
+                <a:solidFill>
+                  <a:srgbClr val="A9B7C6"/>
+                </a:solidFill>
+                <a:effectLst/>
+                <a:latin typeface="Courier New" panose="02070309020205020404" pitchFamily="49" charset="0"/>
+                <a:cs typeface="Courier New" panose="02070309020205020404" pitchFamily="49" charset="0"/>
+              </a:rPr>
+              <a:t>)</a:t>
+            </a:r>
+            <a:br>
+              <a:rPr kumimoji="0" lang="ko-KR" altLang="ko-KR" sz="1200" b="0" i="0" u="none" strike="noStrike" cap="none" normalizeH="0" baseline="0">
+                <a:ln>
+                  <a:noFill/>
+                </a:ln>
+                <a:solidFill>
+                  <a:srgbClr val="A9B7C6"/>
+                </a:solidFill>
+                <a:effectLst/>
+                <a:latin typeface="Courier New" panose="02070309020205020404" pitchFamily="49" charset="0"/>
+                <a:cs typeface="Courier New" panose="02070309020205020404" pitchFamily="49" charset="0"/>
+              </a:rPr>
+            </a:br>
+            <a:r>
+              <a:rPr kumimoji="0" lang="ko-KR" altLang="ko-KR" sz="1200" b="0" i="0" u="none" strike="noStrike" cap="none" normalizeH="0" baseline="0">
+                <a:ln>
+                  <a:noFill/>
+                </a:ln>
+                <a:solidFill>
+                  <a:srgbClr val="A9B7C6"/>
+                </a:solidFill>
+                <a:effectLst/>
+                <a:latin typeface="Courier New" panose="02070309020205020404" pitchFamily="49" charset="0"/>
+                <a:cs typeface="Courier New" panose="02070309020205020404" pitchFamily="49" charset="0"/>
+              </a:rPr>
+              <a:t>    </a:t>
+            </a:r>
+            <a:r>
+              <a:rPr kumimoji="0" lang="ko-KR" altLang="ko-KR" sz="1200" b="0" i="0" u="none" strike="noStrike" cap="none" normalizeH="0" baseline="0">
+                <a:ln>
+                  <a:noFill/>
+                </a:ln>
+                <a:solidFill>
+                  <a:srgbClr val="94558D"/>
+                </a:solidFill>
+                <a:effectLst/>
+                <a:latin typeface="Courier New" panose="02070309020205020404" pitchFamily="49" charset="0"/>
+                <a:cs typeface="Courier New" panose="02070309020205020404" pitchFamily="49" charset="0"/>
+              </a:rPr>
+              <a:t>self</a:t>
+            </a:r>
+            <a:r>
+              <a:rPr kumimoji="0" lang="ko-KR" altLang="ko-KR" sz="1200" b="0" i="0" u="none" strike="noStrike" cap="none" normalizeH="0" baseline="0">
+                <a:ln>
+                  <a:noFill/>
+                </a:ln>
+                <a:solidFill>
+                  <a:srgbClr val="A9B7C6"/>
+                </a:solidFill>
+                <a:effectLst/>
+                <a:latin typeface="Courier New" panose="02070309020205020404" pitchFamily="49" charset="0"/>
+                <a:cs typeface="Courier New" panose="02070309020205020404" pitchFamily="49" charset="0"/>
+              </a:rPr>
+              <a:t>.draw_text(</a:t>
+            </a:r>
+            <a:r>
+              <a:rPr kumimoji="0" lang="ko-KR" altLang="ko-KR" sz="1200" b="0" i="0" u="none" strike="noStrike" cap="none" normalizeH="0" baseline="0">
+                <a:ln>
+                  <a:noFill/>
+                </a:ln>
+                <a:solidFill>
+                  <a:srgbClr val="6A8759"/>
+                </a:solidFill>
+                <a:effectLst/>
+                <a:latin typeface="Courier New" panose="02070309020205020404" pitchFamily="49" charset="0"/>
+                <a:cs typeface="Courier New" panose="02070309020205020404" pitchFamily="49" charset="0"/>
+              </a:rPr>
+              <a:t>f'</a:t>
+            </a:r>
+            <a:r>
+              <a:rPr kumimoji="0" lang="ko-KR" altLang="ko-KR" sz="1200" b="0" i="0" u="none" strike="noStrike" cap="none" normalizeH="0" baseline="0">
+                <a:ln>
+                  <a:noFill/>
+                </a:ln>
+                <a:solidFill>
+                  <a:srgbClr val="6A8759"/>
+                </a:solidFill>
+                <a:effectLst/>
+                <a:latin typeface="맑은 고딕" panose="020B0503020000020004" pitchFamily="50" charset="-127"/>
+                <a:ea typeface="맑은 고딕" panose="020B0503020000020004" pitchFamily="50" charset="-127"/>
+                <a:cs typeface="Courier New" panose="02070309020205020404" pitchFamily="49" charset="0"/>
+              </a:rPr>
+              <a:t>체력</a:t>
+            </a:r>
+            <a:r>
+              <a:rPr kumimoji="0" lang="ko-KR" altLang="ko-KR" sz="1200" b="0" i="0" u="none" strike="noStrike" cap="none" normalizeH="0" baseline="0">
+                <a:ln>
+                  <a:noFill/>
+                </a:ln>
+                <a:solidFill>
+                  <a:srgbClr val="6A8759"/>
+                </a:solidFill>
+                <a:effectLst/>
+                <a:latin typeface="Courier New" panose="02070309020205020404" pitchFamily="49" charset="0"/>
+                <a:cs typeface="Courier New" panose="02070309020205020404" pitchFamily="49" charset="0"/>
+              </a:rPr>
+              <a:t>: </a:t>
+            </a:r>
+            <a:r>
+              <a:rPr kumimoji="0" lang="ko-KR" altLang="ko-KR" sz="1200" b="0" i="0" u="none" strike="noStrike" cap="none" normalizeH="0" baseline="0">
+                <a:ln>
+                  <a:noFill/>
+                </a:ln>
+                <a:solidFill>
+                  <a:srgbClr val="CC7832"/>
+                </a:solidFill>
+                <a:effectLst/>
+                <a:latin typeface="Courier New" panose="02070309020205020404" pitchFamily="49" charset="0"/>
+                <a:cs typeface="Courier New" panose="02070309020205020404" pitchFamily="49" charset="0"/>
+              </a:rPr>
+              <a:t>{</a:t>
+            </a:r>
+            <a:r>
+              <a:rPr kumimoji="0" lang="ko-KR" altLang="ko-KR" sz="1200" b="0" i="0" u="none" strike="noStrike" cap="none" normalizeH="0" baseline="0">
+                <a:ln>
+                  <a:noFill/>
+                </a:ln>
+                <a:solidFill>
+                  <a:srgbClr val="94558D"/>
+                </a:solidFill>
+                <a:effectLst/>
+                <a:latin typeface="Courier New" panose="02070309020205020404" pitchFamily="49" charset="0"/>
+                <a:cs typeface="Courier New" panose="02070309020205020404" pitchFamily="49" charset="0"/>
+              </a:rPr>
+              <a:t>self</a:t>
+            </a:r>
+            <a:r>
+              <a:rPr kumimoji="0" lang="ko-KR" altLang="ko-KR" sz="1200" b="0" i="0" u="none" strike="noStrike" cap="none" normalizeH="0" baseline="0">
+                <a:ln>
+                  <a:noFill/>
+                </a:ln>
+                <a:solidFill>
+                  <a:srgbClr val="A9B7C6"/>
+                </a:solidFill>
+                <a:effectLst/>
+                <a:latin typeface="Courier New" panose="02070309020205020404" pitchFamily="49" charset="0"/>
+                <a:cs typeface="Courier New" panose="02070309020205020404" pitchFamily="49" charset="0"/>
+              </a:rPr>
+              <a:t>.ui_health</a:t>
+            </a:r>
+            <a:r>
+              <a:rPr kumimoji="0" lang="ko-KR" altLang="ko-KR" sz="1200" b="0" i="0" u="none" strike="noStrike" cap="none" normalizeH="0" baseline="0">
+                <a:ln>
+                  <a:noFill/>
+                </a:ln>
+                <a:solidFill>
+                  <a:srgbClr val="CC7832"/>
+                </a:solidFill>
+                <a:effectLst/>
+                <a:latin typeface="Courier New" panose="02070309020205020404" pitchFamily="49" charset="0"/>
+                <a:cs typeface="Courier New" panose="02070309020205020404" pitchFamily="49" charset="0"/>
+              </a:rPr>
+              <a:t>}</a:t>
+            </a:r>
+            <a:r>
+              <a:rPr kumimoji="0" lang="ko-KR" altLang="ko-KR" sz="1200" b="0" i="0" u="none" strike="noStrike" cap="none" normalizeH="0" baseline="0">
+                <a:ln>
+                  <a:noFill/>
+                </a:ln>
+                <a:solidFill>
+                  <a:srgbClr val="6A8759"/>
+                </a:solidFill>
+                <a:effectLst/>
+                <a:latin typeface="Courier New" panose="02070309020205020404" pitchFamily="49" charset="0"/>
+                <a:cs typeface="Courier New" panose="02070309020205020404" pitchFamily="49" charset="0"/>
+              </a:rPr>
+              <a:t>'</a:t>
+            </a:r>
+            <a:r>
+              <a:rPr kumimoji="0" lang="ko-KR" altLang="ko-KR" sz="1200" b="0" i="0" u="none" strike="noStrike" cap="none" normalizeH="0" baseline="0">
+                <a:ln>
+                  <a:noFill/>
+                </a:ln>
+                <a:solidFill>
+                  <a:srgbClr val="CC7832"/>
+                </a:solidFill>
+                <a:effectLst/>
+                <a:latin typeface="Courier New" panose="02070309020205020404" pitchFamily="49" charset="0"/>
+                <a:cs typeface="Courier New" panose="02070309020205020404" pitchFamily="49" charset="0"/>
+              </a:rPr>
+              <a:t>, </a:t>
+            </a:r>
+            <a:r>
+              <a:rPr kumimoji="0" lang="ko-KR" altLang="ko-KR" sz="1200" b="0" i="0" u="none" strike="noStrike" cap="none" normalizeH="0" baseline="0">
+                <a:ln>
+                  <a:noFill/>
+                </a:ln>
+                <a:solidFill>
+                  <a:srgbClr val="6897BB"/>
+                </a:solidFill>
+                <a:effectLst/>
+                <a:latin typeface="Courier New" panose="02070309020205020404" pitchFamily="49" charset="0"/>
+                <a:cs typeface="Courier New" panose="02070309020205020404" pitchFamily="49" charset="0"/>
+              </a:rPr>
+              <a:t>30</a:t>
+            </a:r>
+            <a:r>
+              <a:rPr kumimoji="0" lang="ko-KR" altLang="ko-KR" sz="1200" b="0" i="0" u="none" strike="noStrike" cap="none" normalizeH="0" baseline="0">
+                <a:ln>
+                  <a:noFill/>
+                </a:ln>
+                <a:solidFill>
+                  <a:srgbClr val="CC7832"/>
+                </a:solidFill>
+                <a:effectLst/>
+                <a:latin typeface="Courier New" panose="02070309020205020404" pitchFamily="49" charset="0"/>
+                <a:cs typeface="Courier New" panose="02070309020205020404" pitchFamily="49" charset="0"/>
+              </a:rPr>
+              <a:t>, </a:t>
+            </a:r>
+            <a:r>
+              <a:rPr kumimoji="0" lang="ko-KR" altLang="ko-KR" sz="1200" b="0" i="0" u="none" strike="noStrike" cap="none" normalizeH="0" baseline="0">
+                <a:ln>
+                  <a:noFill/>
+                </a:ln>
+                <a:solidFill>
+                  <a:srgbClr val="A9B7C6"/>
+                </a:solidFill>
+                <a:effectLst/>
+                <a:latin typeface="Courier New" panose="02070309020205020404" pitchFamily="49" charset="0"/>
+                <a:cs typeface="Courier New" panose="02070309020205020404" pitchFamily="49" charset="0"/>
+              </a:rPr>
+              <a:t>pygame.Color(</a:t>
+            </a:r>
+            <a:r>
+              <a:rPr kumimoji="0" lang="ko-KR" altLang="ko-KR" sz="1200" b="0" i="0" u="none" strike="noStrike" cap="none" normalizeH="0" baseline="0">
+                <a:ln>
+                  <a:noFill/>
+                </a:ln>
+                <a:solidFill>
+                  <a:srgbClr val="6A8759"/>
+                </a:solidFill>
+                <a:effectLst/>
+                <a:latin typeface="Courier New" panose="02070309020205020404" pitchFamily="49" charset="0"/>
+                <a:cs typeface="Courier New" panose="02070309020205020404" pitchFamily="49" charset="0"/>
+              </a:rPr>
+              <a:t>'Red'</a:t>
+            </a:r>
+            <a:r>
+              <a:rPr kumimoji="0" lang="ko-KR" altLang="ko-KR" sz="1200" b="0" i="0" u="none" strike="noStrike" cap="none" normalizeH="0" baseline="0">
+                <a:ln>
+                  <a:noFill/>
+                </a:ln>
+                <a:solidFill>
+                  <a:srgbClr val="A9B7C6"/>
+                </a:solidFill>
+                <a:effectLst/>
+                <a:latin typeface="Courier New" panose="02070309020205020404" pitchFamily="49" charset="0"/>
+                <a:cs typeface="Courier New" panose="02070309020205020404" pitchFamily="49" charset="0"/>
+              </a:rPr>
+              <a:t>)</a:t>
+            </a:r>
+            <a:r>
+              <a:rPr kumimoji="0" lang="ko-KR" altLang="ko-KR" sz="1200" b="0" i="0" u="none" strike="noStrike" cap="none" normalizeH="0" baseline="0">
+                <a:ln>
+                  <a:noFill/>
+                </a:ln>
+                <a:solidFill>
+                  <a:srgbClr val="CC7832"/>
+                </a:solidFill>
+                <a:effectLst/>
+                <a:latin typeface="Courier New" panose="02070309020205020404" pitchFamily="49" charset="0"/>
+                <a:cs typeface="Courier New" panose="02070309020205020404" pitchFamily="49" charset="0"/>
+              </a:rPr>
+              <a:t>, </a:t>
+            </a:r>
+            <a:r>
+              <a:rPr kumimoji="0" lang="ko-KR" altLang="ko-KR" sz="1200" b="0" i="0" u="none" strike="noStrike" cap="none" normalizeH="0" baseline="0">
+                <a:ln>
+                  <a:noFill/>
+                </a:ln>
+                <a:solidFill>
+                  <a:srgbClr val="6897BB"/>
+                </a:solidFill>
+                <a:effectLst/>
+                <a:latin typeface="Courier New" panose="02070309020205020404" pitchFamily="49" charset="0"/>
+                <a:cs typeface="Courier New" panose="02070309020205020404" pitchFamily="49" charset="0"/>
+              </a:rPr>
+              <a:t>100</a:t>
+            </a:r>
+            <a:r>
+              <a:rPr kumimoji="0" lang="ko-KR" altLang="ko-KR" sz="1200" b="0" i="0" u="none" strike="noStrike" cap="none" normalizeH="0" baseline="0">
+                <a:ln>
+                  <a:noFill/>
+                </a:ln>
+                <a:solidFill>
+                  <a:srgbClr val="CC7832"/>
+                </a:solidFill>
+                <a:effectLst/>
+                <a:latin typeface="Courier New" panose="02070309020205020404" pitchFamily="49" charset="0"/>
+                <a:cs typeface="Courier New" panose="02070309020205020404" pitchFamily="49" charset="0"/>
+              </a:rPr>
+              <a:t>, </a:t>
+            </a:r>
+            <a:r>
+              <a:rPr kumimoji="0" lang="ko-KR" altLang="ko-KR" sz="1200" b="0" i="0" u="none" strike="noStrike" cap="none" normalizeH="0" baseline="0">
+                <a:ln>
+                  <a:noFill/>
+                </a:ln>
+                <a:solidFill>
+                  <a:srgbClr val="A9B7C6"/>
+                </a:solidFill>
+                <a:effectLst/>
+                <a:latin typeface="Courier New" panose="02070309020205020404" pitchFamily="49" charset="0"/>
+                <a:cs typeface="Courier New" panose="02070309020205020404" pitchFamily="49" charset="0"/>
+              </a:rPr>
+              <a:t>SCREEN_Y -</a:t>
+            </a:r>
+            <a:r>
+              <a:rPr kumimoji="0" lang="ko-KR" altLang="ko-KR" sz="1200" b="0" i="0" u="none" strike="noStrike" cap="none" normalizeH="0" baseline="0">
+                <a:ln>
+                  <a:noFill/>
+                </a:ln>
+                <a:solidFill>
+                  <a:srgbClr val="6897BB"/>
+                </a:solidFill>
+                <a:effectLst/>
+                <a:latin typeface="Courier New" panose="02070309020205020404" pitchFamily="49" charset="0"/>
+                <a:cs typeface="Courier New" panose="02070309020205020404" pitchFamily="49" charset="0"/>
+              </a:rPr>
+              <a:t>100</a:t>
+            </a:r>
+            <a:r>
+              <a:rPr kumimoji="0" lang="ko-KR" altLang="ko-KR" sz="1200" b="0" i="0" u="none" strike="noStrike" cap="none" normalizeH="0" baseline="0">
+                <a:ln>
+                  <a:noFill/>
+                </a:ln>
+                <a:solidFill>
+                  <a:srgbClr val="A9B7C6"/>
+                </a:solidFill>
+                <a:effectLst/>
+                <a:latin typeface="Courier New" panose="02070309020205020404" pitchFamily="49" charset="0"/>
+                <a:cs typeface="Courier New" panose="02070309020205020404" pitchFamily="49" charset="0"/>
+              </a:rPr>
+              <a:t>)</a:t>
+            </a:r>
+            <a:br>
+              <a:rPr kumimoji="0" lang="ko-KR" altLang="ko-KR" sz="1200" b="0" i="0" u="none" strike="noStrike" cap="none" normalizeH="0" baseline="0">
+                <a:ln>
+                  <a:noFill/>
+                </a:ln>
+                <a:solidFill>
+                  <a:srgbClr val="A9B7C6"/>
+                </a:solidFill>
+                <a:effectLst/>
+                <a:latin typeface="Courier New" panose="02070309020205020404" pitchFamily="49" charset="0"/>
+                <a:cs typeface="Courier New" panose="02070309020205020404" pitchFamily="49" charset="0"/>
+              </a:rPr>
+            </a:br>
+            <a:br>
+              <a:rPr kumimoji="0" lang="ko-KR" altLang="ko-KR" sz="1200" b="0" i="0" u="none" strike="noStrike" cap="none" normalizeH="0" baseline="0">
+                <a:ln>
+                  <a:noFill/>
+                </a:ln>
+                <a:solidFill>
+                  <a:srgbClr val="A9B7C6"/>
+                </a:solidFill>
+                <a:effectLst/>
+                <a:latin typeface="Courier New" panose="02070309020205020404" pitchFamily="49" charset="0"/>
+                <a:cs typeface="Courier New" panose="02070309020205020404" pitchFamily="49" charset="0"/>
+              </a:rPr>
+            </a:br>
+            <a:r>
+              <a:rPr kumimoji="0" lang="ko-KR" altLang="ko-KR" sz="1200" b="0" i="0" u="none" strike="noStrike" cap="none" normalizeH="0" baseline="0">
+                <a:ln>
+                  <a:noFill/>
+                </a:ln>
+                <a:solidFill>
+                  <a:srgbClr val="CC7832"/>
+                </a:solidFill>
+                <a:effectLst/>
+                <a:latin typeface="Courier New" panose="02070309020205020404" pitchFamily="49" charset="0"/>
+                <a:cs typeface="Courier New" panose="02070309020205020404" pitchFamily="49" charset="0"/>
+              </a:rPr>
+              <a:t>def </a:t>
+            </a:r>
+            <a:r>
+              <a:rPr kumimoji="0" lang="ko-KR" altLang="ko-KR" sz="1200" b="0" i="0" u="none" strike="noStrike" cap="none" normalizeH="0" baseline="0">
+                <a:ln>
+                  <a:noFill/>
+                </a:ln>
+                <a:solidFill>
+                  <a:srgbClr val="FFC66D"/>
+                </a:solidFill>
+                <a:effectLst/>
+                <a:latin typeface="Courier New" panose="02070309020205020404" pitchFamily="49" charset="0"/>
+                <a:cs typeface="Courier New" panose="02070309020205020404" pitchFamily="49" charset="0"/>
+              </a:rPr>
+              <a:t>draw_text</a:t>
+            </a:r>
+            <a:r>
+              <a:rPr kumimoji="0" lang="ko-KR" altLang="ko-KR" sz="1200" b="0" i="0" u="none" strike="noStrike" cap="none" normalizeH="0" baseline="0">
+                <a:ln>
+                  <a:noFill/>
+                </a:ln>
+                <a:solidFill>
+                  <a:srgbClr val="A9B7C6"/>
+                </a:solidFill>
+                <a:effectLst/>
+                <a:latin typeface="Courier New" panose="02070309020205020404" pitchFamily="49" charset="0"/>
+                <a:cs typeface="Courier New" panose="02070309020205020404" pitchFamily="49" charset="0"/>
+              </a:rPr>
+              <a:t>(</a:t>
+            </a:r>
+            <a:r>
+              <a:rPr kumimoji="0" lang="ko-KR" altLang="ko-KR" sz="1200" b="0" i="0" u="none" strike="noStrike" cap="none" normalizeH="0" baseline="0">
+                <a:ln>
+                  <a:noFill/>
+                </a:ln>
+                <a:solidFill>
+                  <a:srgbClr val="94558D"/>
+                </a:solidFill>
+                <a:effectLst/>
+                <a:latin typeface="Courier New" panose="02070309020205020404" pitchFamily="49" charset="0"/>
+                <a:cs typeface="Courier New" panose="02070309020205020404" pitchFamily="49" charset="0"/>
+              </a:rPr>
+              <a:t>self</a:t>
+            </a:r>
+            <a:r>
+              <a:rPr kumimoji="0" lang="ko-KR" altLang="ko-KR" sz="1200" b="0" i="0" u="none" strike="noStrike" cap="none" normalizeH="0" baseline="0">
+                <a:ln>
+                  <a:noFill/>
+                </a:ln>
+                <a:solidFill>
+                  <a:srgbClr val="CC7832"/>
+                </a:solidFill>
+                <a:effectLst/>
+                <a:latin typeface="Courier New" panose="02070309020205020404" pitchFamily="49" charset="0"/>
+                <a:cs typeface="Courier New" panose="02070309020205020404" pitchFamily="49" charset="0"/>
+              </a:rPr>
+              <a:t>, </a:t>
+            </a:r>
+            <a:r>
+              <a:rPr kumimoji="0" lang="ko-KR" altLang="ko-KR" sz="1200" b="0" i="0" u="none" strike="noStrike" cap="none" normalizeH="0" baseline="0">
+                <a:ln>
+                  <a:noFill/>
+                </a:ln>
+                <a:solidFill>
+                  <a:srgbClr val="A9B7C6"/>
+                </a:solidFill>
+                <a:effectLst/>
+                <a:latin typeface="Courier New" panose="02070309020205020404" pitchFamily="49" charset="0"/>
+                <a:cs typeface="Courier New" panose="02070309020205020404" pitchFamily="49" charset="0"/>
+              </a:rPr>
+              <a:t>text</a:t>
+            </a:r>
+            <a:r>
+              <a:rPr kumimoji="0" lang="ko-KR" altLang="ko-KR" sz="1200" b="0" i="0" u="none" strike="noStrike" cap="none" normalizeH="0" baseline="0">
+                <a:ln>
+                  <a:noFill/>
+                </a:ln>
+                <a:solidFill>
+                  <a:srgbClr val="CC7832"/>
+                </a:solidFill>
+                <a:effectLst/>
+                <a:latin typeface="Courier New" panose="02070309020205020404" pitchFamily="49" charset="0"/>
+                <a:cs typeface="Courier New" panose="02070309020205020404" pitchFamily="49" charset="0"/>
+              </a:rPr>
+              <a:t>, </a:t>
+            </a:r>
+            <a:r>
+              <a:rPr kumimoji="0" lang="ko-KR" altLang="ko-KR" sz="1200" b="0" i="0" u="none" strike="noStrike" cap="none" normalizeH="0" baseline="0">
+                <a:ln>
+                  <a:noFill/>
+                </a:ln>
+                <a:solidFill>
+                  <a:srgbClr val="A9B7C6"/>
+                </a:solidFill>
+                <a:effectLst/>
+                <a:latin typeface="Courier New" panose="02070309020205020404" pitchFamily="49" charset="0"/>
+                <a:cs typeface="Courier New" panose="02070309020205020404" pitchFamily="49" charset="0"/>
+              </a:rPr>
+              <a:t>size</a:t>
+            </a:r>
+            <a:r>
+              <a:rPr kumimoji="0" lang="ko-KR" altLang="ko-KR" sz="1200" b="0" i="0" u="none" strike="noStrike" cap="none" normalizeH="0" baseline="0">
+                <a:ln>
+                  <a:noFill/>
+                </a:ln>
+                <a:solidFill>
+                  <a:srgbClr val="CC7832"/>
+                </a:solidFill>
+                <a:effectLst/>
+                <a:latin typeface="Courier New" panose="02070309020205020404" pitchFamily="49" charset="0"/>
+                <a:cs typeface="Courier New" panose="02070309020205020404" pitchFamily="49" charset="0"/>
+              </a:rPr>
+              <a:t>, </a:t>
+            </a:r>
+            <a:r>
+              <a:rPr kumimoji="0" lang="ko-KR" altLang="ko-KR" sz="1200" b="0" i="0" u="none" strike="noStrike" cap="none" normalizeH="0" baseline="0">
+                <a:ln>
+                  <a:noFill/>
+                </a:ln>
+                <a:solidFill>
+                  <a:srgbClr val="A9B7C6"/>
+                </a:solidFill>
+                <a:effectLst/>
+                <a:latin typeface="Courier New" panose="02070309020205020404" pitchFamily="49" charset="0"/>
+                <a:cs typeface="Courier New" panose="02070309020205020404" pitchFamily="49" charset="0"/>
+              </a:rPr>
+              <a:t>color</a:t>
+            </a:r>
+            <a:r>
+              <a:rPr kumimoji="0" lang="ko-KR" altLang="ko-KR" sz="1200" b="0" i="0" u="none" strike="noStrike" cap="none" normalizeH="0" baseline="0">
+                <a:ln>
+                  <a:noFill/>
+                </a:ln>
+                <a:solidFill>
+                  <a:srgbClr val="CC7832"/>
+                </a:solidFill>
+                <a:effectLst/>
+                <a:latin typeface="Courier New" panose="02070309020205020404" pitchFamily="49" charset="0"/>
+                <a:cs typeface="Courier New" panose="02070309020205020404" pitchFamily="49" charset="0"/>
+              </a:rPr>
+              <a:t>, </a:t>
+            </a:r>
+            <a:r>
+              <a:rPr kumimoji="0" lang="ko-KR" altLang="ko-KR" sz="1200" b="0" i="0" u="none" strike="noStrike" cap="none" normalizeH="0" baseline="0">
+                <a:ln>
+                  <a:noFill/>
+                </a:ln>
+                <a:solidFill>
+                  <a:srgbClr val="A9B7C6"/>
+                </a:solidFill>
+                <a:effectLst/>
+                <a:latin typeface="Courier New" panose="02070309020205020404" pitchFamily="49" charset="0"/>
+                <a:cs typeface="Courier New" panose="02070309020205020404" pitchFamily="49" charset="0"/>
+              </a:rPr>
+              <a:t>x</a:t>
+            </a:r>
+            <a:r>
+              <a:rPr kumimoji="0" lang="ko-KR" altLang="ko-KR" sz="1200" b="0" i="0" u="none" strike="noStrike" cap="none" normalizeH="0" baseline="0">
+                <a:ln>
+                  <a:noFill/>
+                </a:ln>
+                <a:solidFill>
+                  <a:srgbClr val="CC7832"/>
+                </a:solidFill>
+                <a:effectLst/>
+                <a:latin typeface="Courier New" panose="02070309020205020404" pitchFamily="49" charset="0"/>
+                <a:cs typeface="Courier New" panose="02070309020205020404" pitchFamily="49" charset="0"/>
+              </a:rPr>
+              <a:t>, </a:t>
+            </a:r>
+            <a:r>
+              <a:rPr kumimoji="0" lang="ko-KR" altLang="ko-KR" sz="1200" b="0" i="0" u="none" strike="noStrike" cap="none" normalizeH="0" baseline="0">
+                <a:ln>
+                  <a:noFill/>
+                </a:ln>
+                <a:solidFill>
+                  <a:srgbClr val="A9B7C6"/>
+                </a:solidFill>
+                <a:effectLst/>
+                <a:latin typeface="Courier New" panose="02070309020205020404" pitchFamily="49" charset="0"/>
+                <a:cs typeface="Courier New" panose="02070309020205020404" pitchFamily="49" charset="0"/>
+              </a:rPr>
+              <a:t>y):</a:t>
+            </a:r>
+            <a:br>
+              <a:rPr kumimoji="0" lang="ko-KR" altLang="ko-KR" sz="1200" b="0" i="0" u="none" strike="noStrike" cap="none" normalizeH="0" baseline="0">
+                <a:ln>
+                  <a:noFill/>
+                </a:ln>
+                <a:solidFill>
+                  <a:srgbClr val="A9B7C6"/>
+                </a:solidFill>
+                <a:effectLst/>
+                <a:latin typeface="Courier New" panose="02070309020205020404" pitchFamily="49" charset="0"/>
+                <a:cs typeface="Courier New" panose="02070309020205020404" pitchFamily="49" charset="0"/>
+              </a:rPr>
+            </a:br>
+            <a:r>
+              <a:rPr kumimoji="0" lang="ko-KR" altLang="ko-KR" sz="1200" b="0" i="0" u="none" strike="noStrike" cap="none" normalizeH="0" baseline="0">
+                <a:ln>
+                  <a:noFill/>
+                </a:ln>
+                <a:solidFill>
+                  <a:srgbClr val="A9B7C6"/>
+                </a:solidFill>
+                <a:effectLst/>
+                <a:latin typeface="Courier New" panose="02070309020205020404" pitchFamily="49" charset="0"/>
+                <a:cs typeface="Courier New" panose="02070309020205020404" pitchFamily="49" charset="0"/>
+              </a:rPr>
+              <a:t>    font = pygame.font.SysFont(</a:t>
+            </a:r>
+            <a:r>
+              <a:rPr kumimoji="0" lang="ko-KR" altLang="ko-KR" sz="1200" b="0" i="0" u="none" strike="noStrike" cap="none" normalizeH="0" baseline="0">
+                <a:ln>
+                  <a:noFill/>
+                </a:ln>
+                <a:solidFill>
+                  <a:srgbClr val="6A8759"/>
+                </a:solidFill>
+                <a:effectLst/>
+                <a:latin typeface="Courier New" panose="02070309020205020404" pitchFamily="49" charset="0"/>
+                <a:cs typeface="Courier New" panose="02070309020205020404" pitchFamily="49" charset="0"/>
+              </a:rPr>
+              <a:t>'malgungothic'</a:t>
+            </a:r>
+            <a:r>
+              <a:rPr kumimoji="0" lang="ko-KR" altLang="ko-KR" sz="1200" b="0" i="0" u="none" strike="noStrike" cap="none" normalizeH="0" baseline="0">
+                <a:ln>
+                  <a:noFill/>
+                </a:ln>
+                <a:solidFill>
+                  <a:srgbClr val="CC7832"/>
+                </a:solidFill>
+                <a:effectLst/>
+                <a:latin typeface="Courier New" panose="02070309020205020404" pitchFamily="49" charset="0"/>
+                <a:cs typeface="Courier New" panose="02070309020205020404" pitchFamily="49" charset="0"/>
+              </a:rPr>
+              <a:t>, </a:t>
+            </a:r>
+            <a:r>
+              <a:rPr kumimoji="0" lang="ko-KR" altLang="ko-KR" sz="1200" b="0" i="0" u="none" strike="noStrike" cap="none" normalizeH="0" baseline="0">
+                <a:ln>
+                  <a:noFill/>
+                </a:ln>
+                <a:solidFill>
+                  <a:srgbClr val="A9B7C6"/>
+                </a:solidFill>
+                <a:effectLst/>
+                <a:latin typeface="Courier New" panose="02070309020205020404" pitchFamily="49" charset="0"/>
+                <a:cs typeface="Courier New" panose="02070309020205020404" pitchFamily="49" charset="0"/>
+              </a:rPr>
+              <a:t>size)</a:t>
+            </a:r>
+            <a:br>
+              <a:rPr kumimoji="0" lang="ko-KR" altLang="ko-KR" sz="1200" b="0" i="0" u="none" strike="noStrike" cap="none" normalizeH="0" baseline="0">
+                <a:ln>
+                  <a:noFill/>
+                </a:ln>
+                <a:solidFill>
+                  <a:srgbClr val="A9B7C6"/>
+                </a:solidFill>
+                <a:effectLst/>
+                <a:latin typeface="Courier New" panose="02070309020205020404" pitchFamily="49" charset="0"/>
+                <a:cs typeface="Courier New" panose="02070309020205020404" pitchFamily="49" charset="0"/>
+              </a:rPr>
+            </a:br>
+            <a:r>
+              <a:rPr kumimoji="0" lang="ko-KR" altLang="ko-KR" sz="1200" b="0" i="0" u="none" strike="noStrike" cap="none" normalizeH="0" baseline="0">
+                <a:ln>
+                  <a:noFill/>
+                </a:ln>
+                <a:solidFill>
+                  <a:srgbClr val="A9B7C6"/>
+                </a:solidFill>
+                <a:effectLst/>
+                <a:latin typeface="Courier New" panose="02070309020205020404" pitchFamily="49" charset="0"/>
+                <a:cs typeface="Courier New" panose="02070309020205020404" pitchFamily="49" charset="0"/>
+              </a:rPr>
+              <a:t>    text_surface = font.render(text</a:t>
+            </a:r>
+            <a:r>
+              <a:rPr kumimoji="0" lang="ko-KR" altLang="ko-KR" sz="1200" b="0" i="0" u="none" strike="noStrike" cap="none" normalizeH="0" baseline="0">
+                <a:ln>
+                  <a:noFill/>
+                </a:ln>
+                <a:solidFill>
+                  <a:srgbClr val="CC7832"/>
+                </a:solidFill>
+                <a:effectLst/>
+                <a:latin typeface="Courier New" panose="02070309020205020404" pitchFamily="49" charset="0"/>
+                <a:cs typeface="Courier New" panose="02070309020205020404" pitchFamily="49" charset="0"/>
+              </a:rPr>
+              <a:t>, True, </a:t>
+            </a:r>
+            <a:r>
+              <a:rPr kumimoji="0" lang="ko-KR" altLang="ko-KR" sz="1200" b="0" i="0" u="none" strike="noStrike" cap="none" normalizeH="0" baseline="0">
+                <a:ln>
+                  <a:noFill/>
+                </a:ln>
+                <a:solidFill>
+                  <a:srgbClr val="A9B7C6"/>
+                </a:solidFill>
+                <a:effectLst/>
+                <a:latin typeface="Courier New" panose="02070309020205020404" pitchFamily="49" charset="0"/>
+                <a:cs typeface="Courier New" panose="02070309020205020404" pitchFamily="49" charset="0"/>
+              </a:rPr>
+              <a:t>color)</a:t>
+            </a:r>
+            <a:br>
+              <a:rPr kumimoji="0" lang="ko-KR" altLang="ko-KR" sz="1200" b="0" i="0" u="none" strike="noStrike" cap="none" normalizeH="0" baseline="0">
+                <a:ln>
+                  <a:noFill/>
+                </a:ln>
+                <a:solidFill>
+                  <a:srgbClr val="A9B7C6"/>
+                </a:solidFill>
+                <a:effectLst/>
+                <a:latin typeface="Courier New" panose="02070309020205020404" pitchFamily="49" charset="0"/>
+                <a:cs typeface="Courier New" panose="02070309020205020404" pitchFamily="49" charset="0"/>
+              </a:rPr>
+            </a:br>
+            <a:r>
+              <a:rPr kumimoji="0" lang="ko-KR" altLang="ko-KR" sz="1200" b="0" i="0" u="none" strike="noStrike" cap="none" normalizeH="0" baseline="0">
+                <a:ln>
+                  <a:noFill/>
+                </a:ln>
+                <a:solidFill>
+                  <a:srgbClr val="A9B7C6"/>
+                </a:solidFill>
+                <a:effectLst/>
+                <a:latin typeface="Courier New" panose="02070309020205020404" pitchFamily="49" charset="0"/>
+                <a:cs typeface="Courier New" panose="02070309020205020404" pitchFamily="49" charset="0"/>
+              </a:rPr>
+              <a:t>    text_rect = text_surface.get_rect()</a:t>
+            </a:r>
+            <a:br>
+              <a:rPr kumimoji="0" lang="ko-KR" altLang="ko-KR" sz="1200" b="0" i="0" u="none" strike="noStrike" cap="none" normalizeH="0" baseline="0">
+                <a:ln>
+                  <a:noFill/>
+                </a:ln>
+                <a:solidFill>
+                  <a:srgbClr val="A9B7C6"/>
+                </a:solidFill>
+                <a:effectLst/>
+                <a:latin typeface="Courier New" panose="02070309020205020404" pitchFamily="49" charset="0"/>
+                <a:cs typeface="Courier New" panose="02070309020205020404" pitchFamily="49" charset="0"/>
+              </a:rPr>
+            </a:br>
+            <a:r>
+              <a:rPr kumimoji="0" lang="ko-KR" altLang="ko-KR" sz="1200" b="0" i="0" u="none" strike="noStrike" cap="none" normalizeH="0" baseline="0">
+                <a:ln>
+                  <a:noFill/>
+                </a:ln>
+                <a:solidFill>
+                  <a:srgbClr val="A9B7C6"/>
+                </a:solidFill>
+                <a:effectLst/>
+                <a:latin typeface="Courier New" panose="02070309020205020404" pitchFamily="49" charset="0"/>
+                <a:cs typeface="Courier New" panose="02070309020205020404" pitchFamily="49" charset="0"/>
+              </a:rPr>
+              <a:t>    text_rect.x = x</a:t>
+            </a:r>
+            <a:br>
+              <a:rPr kumimoji="0" lang="ko-KR" altLang="ko-KR" sz="1200" b="0" i="0" u="none" strike="noStrike" cap="none" normalizeH="0" baseline="0">
+                <a:ln>
+                  <a:noFill/>
+                </a:ln>
+                <a:solidFill>
+                  <a:srgbClr val="A9B7C6"/>
+                </a:solidFill>
+                <a:effectLst/>
+                <a:latin typeface="Courier New" panose="02070309020205020404" pitchFamily="49" charset="0"/>
+                <a:cs typeface="Courier New" panose="02070309020205020404" pitchFamily="49" charset="0"/>
+              </a:rPr>
+            </a:br>
+            <a:r>
+              <a:rPr kumimoji="0" lang="ko-KR" altLang="ko-KR" sz="1200" b="0" i="0" u="none" strike="noStrike" cap="none" normalizeH="0" baseline="0">
+                <a:ln>
+                  <a:noFill/>
+                </a:ln>
+                <a:solidFill>
+                  <a:srgbClr val="A9B7C6"/>
+                </a:solidFill>
+                <a:effectLst/>
+                <a:latin typeface="Courier New" panose="02070309020205020404" pitchFamily="49" charset="0"/>
+                <a:cs typeface="Courier New" panose="02070309020205020404" pitchFamily="49" charset="0"/>
+              </a:rPr>
+              <a:t>    text_rect.y = y</a:t>
+            </a:r>
+            <a:br>
+              <a:rPr kumimoji="0" lang="ko-KR" altLang="ko-KR" sz="1200" b="0" i="0" u="none" strike="noStrike" cap="none" normalizeH="0" baseline="0">
+                <a:ln>
+                  <a:noFill/>
+                </a:ln>
+                <a:solidFill>
+                  <a:srgbClr val="A9B7C6"/>
+                </a:solidFill>
+                <a:effectLst/>
+                <a:latin typeface="Courier New" panose="02070309020205020404" pitchFamily="49" charset="0"/>
+                <a:cs typeface="Courier New" panose="02070309020205020404" pitchFamily="49" charset="0"/>
+              </a:rPr>
+            </a:br>
+            <a:r>
+              <a:rPr kumimoji="0" lang="ko-KR" altLang="ko-KR" sz="1200" b="0" i="0" u="none" strike="noStrike" cap="none" normalizeH="0" baseline="0">
+                <a:ln>
+                  <a:noFill/>
+                </a:ln>
+                <a:solidFill>
+                  <a:srgbClr val="A9B7C6"/>
+                </a:solidFill>
+                <a:effectLst/>
+                <a:latin typeface="Courier New" panose="02070309020205020404" pitchFamily="49" charset="0"/>
+                <a:cs typeface="Courier New" panose="02070309020205020404" pitchFamily="49" charset="0"/>
+              </a:rPr>
+              <a:t>    </a:t>
+            </a:r>
+            <a:r>
+              <a:rPr kumimoji="0" lang="ko-KR" altLang="ko-KR" sz="1200" b="0" i="0" u="none" strike="noStrike" cap="none" normalizeH="0" baseline="0">
+                <a:ln>
+                  <a:noFill/>
+                </a:ln>
+                <a:solidFill>
+                  <a:srgbClr val="94558D"/>
+                </a:solidFill>
+                <a:effectLst/>
+                <a:latin typeface="Courier New" panose="02070309020205020404" pitchFamily="49" charset="0"/>
+                <a:cs typeface="Courier New" panose="02070309020205020404" pitchFamily="49" charset="0"/>
+              </a:rPr>
+              <a:t>self</a:t>
+            </a:r>
+            <a:r>
+              <a:rPr kumimoji="0" lang="ko-KR" altLang="ko-KR" sz="1200" b="0" i="0" u="none" strike="noStrike" cap="none" normalizeH="0" baseline="0">
+                <a:ln>
+                  <a:noFill/>
+                </a:ln>
+                <a:solidFill>
+                  <a:srgbClr val="A9B7C6"/>
+                </a:solidFill>
+                <a:effectLst/>
+                <a:latin typeface="Courier New" panose="02070309020205020404" pitchFamily="49" charset="0"/>
+                <a:cs typeface="Courier New" panose="02070309020205020404" pitchFamily="49" charset="0"/>
+              </a:rPr>
+              <a:t>.image.blit(text_surface</a:t>
+            </a:r>
+            <a:r>
+              <a:rPr kumimoji="0" lang="ko-KR" altLang="ko-KR" sz="1200" b="0" i="0" u="none" strike="noStrike" cap="none" normalizeH="0" baseline="0">
+                <a:ln>
+                  <a:noFill/>
+                </a:ln>
+                <a:solidFill>
+                  <a:srgbClr val="CC7832"/>
+                </a:solidFill>
+                <a:effectLst/>
+                <a:latin typeface="Courier New" panose="02070309020205020404" pitchFamily="49" charset="0"/>
+                <a:cs typeface="Courier New" panose="02070309020205020404" pitchFamily="49" charset="0"/>
+              </a:rPr>
+              <a:t>, </a:t>
+            </a:r>
+            <a:r>
+              <a:rPr kumimoji="0" lang="ko-KR" altLang="ko-KR" sz="1200" b="0" i="0" u="none" strike="noStrike" cap="none" normalizeH="0" baseline="0">
+                <a:ln>
+                  <a:noFill/>
+                </a:ln>
+                <a:solidFill>
+                  <a:srgbClr val="A9B7C6"/>
+                </a:solidFill>
+                <a:effectLst/>
+                <a:latin typeface="Courier New" panose="02070309020205020404" pitchFamily="49" charset="0"/>
+                <a:cs typeface="Courier New" panose="02070309020205020404" pitchFamily="49" charset="0"/>
+              </a:rPr>
+              <a:t>text_rect)</a:t>
+            </a:r>
+            <a:endParaRPr kumimoji="0" lang="ko-KR" altLang="ko-KR" sz="1800" b="0" i="0" u="none" strike="noStrike" cap="none" normalizeH="0" baseline="0">
+              <a:ln>
+                <a:noFill/>
+              </a:ln>
+              <a:solidFill>
+                <a:schemeClr val="tx1"/>
+              </a:solidFill>
+              <a:effectLst/>
+              <a:latin typeface="Arial" panose="020B0604020202020204" pitchFamily="34" charset="0"/>
+            </a:endParaRPr>
           </a:p>
         </p:txBody>
       </p:sp>
